--- a/docs/diagrams/GradeSummarySequenceDiagram.pptx
+++ b/docs/diagrams/GradeSummarySequenceDiagram.pptx
@@ -208,7 +208,7 @@
           <a:p>
             <a:fld id="{F5CC4B3F-88C1-4FFA-B1B6-F41C21DC6924}" type="datetimeFigureOut">
               <a:rPr lang="en-US" smtClean="0"/>
-              <a:t>11/6/2018</a:t>
+              <a:t>11/11/2018</a:t>
             </a:fld>
             <a:endParaRPr lang="en-US"/>
           </a:p>
@@ -738,7 +738,7 @@
           <a:p>
             <a:fld id="{78C97017-6FC3-485B-9764-EAC9E56C1D49}" type="datetimeFigureOut">
               <a:rPr lang="en-US" smtClean="0"/>
-              <a:t>11/6/2018</a:t>
+              <a:t>11/11/2018</a:t>
             </a:fld>
             <a:endParaRPr lang="en-US"/>
           </a:p>
@@ -906,7 +906,7 @@
           <a:p>
             <a:fld id="{78C97017-6FC3-485B-9764-EAC9E56C1D49}" type="datetimeFigureOut">
               <a:rPr lang="en-US" smtClean="0"/>
-              <a:t>11/6/2018</a:t>
+              <a:t>11/11/2018</a:t>
             </a:fld>
             <a:endParaRPr lang="en-US"/>
           </a:p>
@@ -1084,7 +1084,7 @@
           <a:p>
             <a:fld id="{78C97017-6FC3-485B-9764-EAC9E56C1D49}" type="datetimeFigureOut">
               <a:rPr lang="en-US" smtClean="0"/>
-              <a:t>11/6/2018</a:t>
+              <a:t>11/11/2018</a:t>
             </a:fld>
             <a:endParaRPr lang="en-US"/>
           </a:p>
@@ -1252,7 +1252,7 @@
           <a:p>
             <a:fld id="{78C97017-6FC3-485B-9764-EAC9E56C1D49}" type="datetimeFigureOut">
               <a:rPr lang="en-US" smtClean="0"/>
-              <a:t>11/6/2018</a:t>
+              <a:t>11/11/2018</a:t>
             </a:fld>
             <a:endParaRPr lang="en-US"/>
           </a:p>
@@ -1497,7 +1497,7 @@
           <a:p>
             <a:fld id="{78C97017-6FC3-485B-9764-EAC9E56C1D49}" type="datetimeFigureOut">
               <a:rPr lang="en-US" smtClean="0"/>
-              <a:t>11/6/2018</a:t>
+              <a:t>11/11/2018</a:t>
             </a:fld>
             <a:endParaRPr lang="en-US"/>
           </a:p>
@@ -1782,7 +1782,7 @@
           <a:p>
             <a:fld id="{78C97017-6FC3-485B-9764-EAC9E56C1D49}" type="datetimeFigureOut">
               <a:rPr lang="en-US" smtClean="0"/>
-              <a:t>11/6/2018</a:t>
+              <a:t>11/11/2018</a:t>
             </a:fld>
             <a:endParaRPr lang="en-US"/>
           </a:p>
@@ -2201,7 +2201,7 @@
           <a:p>
             <a:fld id="{78C97017-6FC3-485B-9764-EAC9E56C1D49}" type="datetimeFigureOut">
               <a:rPr lang="en-US" smtClean="0"/>
-              <a:t>11/6/2018</a:t>
+              <a:t>11/11/2018</a:t>
             </a:fld>
             <a:endParaRPr lang="en-US"/>
           </a:p>
@@ -2318,7 +2318,7 @@
           <a:p>
             <a:fld id="{78C97017-6FC3-485B-9764-EAC9E56C1D49}" type="datetimeFigureOut">
               <a:rPr lang="en-US" smtClean="0"/>
-              <a:t>11/6/2018</a:t>
+              <a:t>11/11/2018</a:t>
             </a:fld>
             <a:endParaRPr lang="en-US"/>
           </a:p>
@@ -2413,7 +2413,7 @@
           <a:p>
             <a:fld id="{78C97017-6FC3-485B-9764-EAC9E56C1D49}" type="datetimeFigureOut">
               <a:rPr lang="en-US" smtClean="0"/>
-              <a:t>11/6/2018</a:t>
+              <a:t>11/11/2018</a:t>
             </a:fld>
             <a:endParaRPr lang="en-US"/>
           </a:p>
@@ -2688,7 +2688,7 @@
           <a:p>
             <a:fld id="{78C97017-6FC3-485B-9764-EAC9E56C1D49}" type="datetimeFigureOut">
               <a:rPr lang="en-US" smtClean="0"/>
-              <a:t>11/6/2018</a:t>
+              <a:t>11/11/2018</a:t>
             </a:fld>
             <a:endParaRPr lang="en-US"/>
           </a:p>
@@ -2940,7 +2940,7 @@
           <a:p>
             <a:fld id="{78C97017-6FC3-485B-9764-EAC9E56C1D49}" type="datetimeFigureOut">
               <a:rPr lang="en-US" smtClean="0"/>
-              <a:t>11/6/2018</a:t>
+              <a:t>11/11/2018</a:t>
             </a:fld>
             <a:endParaRPr lang="en-US"/>
           </a:p>
@@ -3151,7 +3151,7 @@
           <a:p>
             <a:fld id="{78C97017-6FC3-485B-9764-EAC9E56C1D49}" type="datetimeFigureOut">
               <a:rPr lang="en-US" smtClean="0"/>
-              <a:t>11/6/2018</a:t>
+              <a:t>11/11/2018</a:t>
             </a:fld>
             <a:endParaRPr lang="en-US"/>
           </a:p>
@@ -3526,67 +3526,16 @@
           <a:chExt cx="0" cy="0"/>
         </a:xfrm>
       </p:grpSpPr>
-      <p:cxnSp>
-        <p:nvCxnSpPr>
-          <p:cNvPr id="70" name="Straight Connector 69">
-            <a:extLst>
-              <a:ext uri="{FF2B5EF4-FFF2-40B4-BE49-F238E27FC236}">
-                <a16:creationId xmlns:a16="http://schemas.microsoft.com/office/drawing/2014/main" id="{86141EDB-4E50-4AF3-8DB2-8333005F0BC3}"/>
-              </a:ext>
-            </a:extLst>
-          </p:cNvPr>
-          <p:cNvCxnSpPr>
-            <a:cxnSpLocks/>
-          </p:cNvCxnSpPr>
-          <p:nvPr/>
-        </p:nvCxnSpPr>
-        <p:spPr>
-          <a:xfrm>
-            <a:off x="7172751" y="2781152"/>
-            <a:ext cx="0" cy="755213"/>
-          </a:xfrm>
-          <a:prstGeom prst="line">
-            <a:avLst/>
-          </a:prstGeom>
-          <a:ln w="19050">
-            <a:solidFill>
-              <a:srgbClr val="00B050"/>
-            </a:solidFill>
-            <a:prstDash val="sysDash"/>
-          </a:ln>
-          <a:effectLst/>
-        </p:spPr>
-        <p:style>
-          <a:lnRef idx="1">
-            <a:schemeClr val="accent1"/>
-          </a:lnRef>
-          <a:fillRef idx="2">
-            <a:schemeClr val="accent1"/>
-          </a:fillRef>
-          <a:effectRef idx="1">
-            <a:schemeClr val="accent1"/>
-          </a:effectRef>
-          <a:fontRef idx="minor">
-            <a:schemeClr val="dk1"/>
-          </a:fontRef>
-        </p:style>
-      </p:cxnSp>
-      <p:sp>
-        <p:nvSpPr>
-          <p:cNvPr id="57" name="Rectangle 65">
-            <a:extLst>
-              <a:ext uri="{FF2B5EF4-FFF2-40B4-BE49-F238E27FC236}">
-                <a16:creationId xmlns:a16="http://schemas.microsoft.com/office/drawing/2014/main" id="{3C05306C-86CE-4643-A9F9-09BDF7E6EEB9}"/>
-              </a:ext>
-            </a:extLst>
-          </p:cNvPr>
+      <p:sp>
+        <p:nvSpPr>
+          <p:cNvPr id="81" name="Rectangle 65"/>
           <p:cNvSpPr/>
           <p:nvPr/>
         </p:nvSpPr>
         <p:spPr>
           <a:xfrm>
-            <a:off x="6658484" y="-667798"/>
-            <a:ext cx="1967541" cy="6667648"/>
+            <a:off x="-8281985" y="-787401"/>
+            <a:ext cx="18765221" cy="11379201"/>
           </a:xfrm>
           <a:prstGeom prst="roundRect">
             <a:avLst>
@@ -3594,7 +3543,10 @@
             </a:avLst>
           </a:prstGeom>
           <a:solidFill>
-            <a:srgbClr val="F1F5E9"/>
+            <a:schemeClr val="accent1">
+              <a:lumMod val="20000"/>
+              <a:lumOff val="80000"/>
+            </a:schemeClr>
           </a:solidFill>
           <a:ln w="19050">
             <a:noFill/>
@@ -3617,117 +3569,33 @@
         </p:style>
         <p:txBody>
           <a:bodyPr rtlCol="0" anchor="t"/>
-          <a:lstStyle>
-            <a:defPPr>
-              <a:defRPr lang="en-US"/>
-            </a:defPPr>
-            <a:lvl1pPr marL="0" algn="l" defTabSz="914400" rtl="0" eaLnBrk="1" latinLnBrk="0" hangingPunct="1">
-              <a:defRPr sz="1800" kern="1200">
-                <a:solidFill>
-                  <a:schemeClr val="dk1"/>
-                </a:solidFill>
-                <a:latin typeface="+mn-lt"/>
-                <a:ea typeface="+mn-ea"/>
-                <a:cs typeface="+mn-cs"/>
-              </a:defRPr>
-            </a:lvl1pPr>
-            <a:lvl2pPr marL="457200" algn="l" defTabSz="914400" rtl="0" eaLnBrk="1" latinLnBrk="0" hangingPunct="1">
-              <a:defRPr sz="1800" kern="1200">
-                <a:solidFill>
-                  <a:schemeClr val="dk1"/>
-                </a:solidFill>
-                <a:latin typeface="+mn-lt"/>
-                <a:ea typeface="+mn-ea"/>
-                <a:cs typeface="+mn-cs"/>
-              </a:defRPr>
-            </a:lvl2pPr>
-            <a:lvl3pPr marL="914400" algn="l" defTabSz="914400" rtl="0" eaLnBrk="1" latinLnBrk="0" hangingPunct="1">
-              <a:defRPr sz="1800" kern="1200">
-                <a:solidFill>
-                  <a:schemeClr val="dk1"/>
-                </a:solidFill>
-                <a:latin typeface="+mn-lt"/>
-                <a:ea typeface="+mn-ea"/>
-                <a:cs typeface="+mn-cs"/>
-              </a:defRPr>
-            </a:lvl3pPr>
-            <a:lvl4pPr marL="1371600" algn="l" defTabSz="914400" rtl="0" eaLnBrk="1" latinLnBrk="0" hangingPunct="1">
-              <a:defRPr sz="1800" kern="1200">
-                <a:solidFill>
-                  <a:schemeClr val="dk1"/>
-                </a:solidFill>
-                <a:latin typeface="+mn-lt"/>
-                <a:ea typeface="+mn-ea"/>
-                <a:cs typeface="+mn-cs"/>
-              </a:defRPr>
-            </a:lvl4pPr>
-            <a:lvl5pPr marL="1828800" algn="l" defTabSz="914400" rtl="0" eaLnBrk="1" latinLnBrk="0" hangingPunct="1">
-              <a:defRPr sz="1800" kern="1200">
-                <a:solidFill>
-                  <a:schemeClr val="dk1"/>
-                </a:solidFill>
-                <a:latin typeface="+mn-lt"/>
-                <a:ea typeface="+mn-ea"/>
-                <a:cs typeface="+mn-cs"/>
-              </a:defRPr>
-            </a:lvl5pPr>
-            <a:lvl6pPr marL="2286000" algn="l" defTabSz="914400" rtl="0" eaLnBrk="1" latinLnBrk="0" hangingPunct="1">
-              <a:defRPr sz="1800" kern="1200">
-                <a:solidFill>
-                  <a:schemeClr val="dk1"/>
-                </a:solidFill>
-                <a:latin typeface="+mn-lt"/>
-                <a:ea typeface="+mn-ea"/>
-                <a:cs typeface="+mn-cs"/>
-              </a:defRPr>
-            </a:lvl6pPr>
-            <a:lvl7pPr marL="2743200" algn="l" defTabSz="914400" rtl="0" eaLnBrk="1" latinLnBrk="0" hangingPunct="1">
-              <a:defRPr sz="1800" kern="1200">
-                <a:solidFill>
-                  <a:schemeClr val="dk1"/>
-                </a:solidFill>
-                <a:latin typeface="+mn-lt"/>
-                <a:ea typeface="+mn-ea"/>
-                <a:cs typeface="+mn-cs"/>
-              </a:defRPr>
-            </a:lvl7pPr>
-            <a:lvl8pPr marL="3200400" algn="l" defTabSz="914400" rtl="0" eaLnBrk="1" latinLnBrk="0" hangingPunct="1">
-              <a:defRPr sz="1800" kern="1200">
-                <a:solidFill>
-                  <a:schemeClr val="dk1"/>
-                </a:solidFill>
-                <a:latin typeface="+mn-lt"/>
-                <a:ea typeface="+mn-ea"/>
-                <a:cs typeface="+mn-cs"/>
-              </a:defRPr>
-            </a:lvl8pPr>
-            <a:lvl9pPr marL="3657600" algn="l" defTabSz="914400" rtl="0" eaLnBrk="1" latinLnBrk="0" hangingPunct="1">
-              <a:defRPr sz="1800" kern="1200">
-                <a:solidFill>
-                  <a:schemeClr val="dk1"/>
-                </a:solidFill>
-                <a:latin typeface="+mn-lt"/>
-                <a:ea typeface="+mn-ea"/>
-                <a:cs typeface="+mn-cs"/>
-              </a:defRPr>
-            </a:lvl9pPr>
-          </a:lstStyle>
+          <a:lstStyle/>
+          <a:p>
+            <a:endParaRPr lang="en-US" sz="1200" b="1" dirty="0">
+              <a:solidFill>
+                <a:srgbClr val="0070C0"/>
+              </a:solidFill>
+            </a:endParaRPr>
+          </a:p>
+          <a:p>
+            <a:endParaRPr lang="en-US" sz="1200" b="1" dirty="0">
+              <a:solidFill>
+                <a:srgbClr val="0070C0"/>
+              </a:solidFill>
+            </a:endParaRPr>
+          </a:p>
           <a:p>
             <a:r>
               <a:rPr lang="en-US" sz="1200" b="1" dirty="0">
                 <a:solidFill>
-                  <a:schemeClr val="accent3">
-                    <a:lumMod val="75000"/>
-                  </a:schemeClr>
+                  <a:srgbClr val="0070C0"/>
                 </a:solidFill>
               </a:rPr>
-              <a:t>UI</a:t>
+              <a:t>Logic</a:t>
             </a:r>
             <a:endParaRPr lang="en-SG" sz="1200" b="1" dirty="0">
               <a:solidFill>
-                <a:schemeClr val="accent3">
-                  <a:lumMod val="75000"/>
-                </a:schemeClr>
+                <a:srgbClr val="0070C0"/>
               </a:solidFill>
             </a:endParaRPr>
           </a:p>
@@ -3735,14 +3603,20 @@
       </p:sp>
       <p:sp>
         <p:nvSpPr>
-          <p:cNvPr id="81" name="Rectangle 65"/>
+          <p:cNvPr id="93" name="Rectangle 65">
+            <a:extLst>
+              <a:ext uri="{FF2B5EF4-FFF2-40B4-BE49-F238E27FC236}">
+                <a16:creationId xmlns:a16="http://schemas.microsoft.com/office/drawing/2014/main" id="{E996F717-8FC7-44A4-B59A-21EC9C2EE301}"/>
+              </a:ext>
+            </a:extLst>
+          </p:cNvPr>
           <p:cNvSpPr/>
           <p:nvPr/>
         </p:nvSpPr>
         <p:spPr>
           <a:xfrm>
-            <a:off x="-2190972" y="-609600"/>
-            <a:ext cx="8847622" cy="6705600"/>
+            <a:off x="11853018" y="-748198"/>
+            <a:ext cx="1427938" cy="11317425"/>
           </a:xfrm>
           <a:prstGeom prst="roundRect">
             <a:avLst>
@@ -3750,10 +3624,7 @@
             </a:avLst>
           </a:prstGeom>
           <a:solidFill>
-            <a:schemeClr val="accent1">
-              <a:lumMod val="20000"/>
-              <a:lumOff val="80000"/>
-            </a:schemeClr>
+            <a:srgbClr val="F1F5E9"/>
           </a:solidFill>
           <a:ln w="19050">
             <a:noFill/>
@@ -3776,18 +3647,116 @@
         </p:style>
         <p:txBody>
           <a:bodyPr rtlCol="0" anchor="t"/>
-          <a:lstStyle/>
+          <a:lstStyle>
+            <a:defPPr>
+              <a:defRPr lang="en-US"/>
+            </a:defPPr>
+            <a:lvl1pPr marL="0" algn="l" defTabSz="914400" rtl="0" eaLnBrk="1" latinLnBrk="0" hangingPunct="1">
+              <a:defRPr sz="1800" kern="1200">
+                <a:solidFill>
+                  <a:schemeClr val="dk1"/>
+                </a:solidFill>
+                <a:latin typeface="+mn-lt"/>
+                <a:ea typeface="+mn-ea"/>
+                <a:cs typeface="+mn-cs"/>
+              </a:defRPr>
+            </a:lvl1pPr>
+            <a:lvl2pPr marL="457200" algn="l" defTabSz="914400" rtl="0" eaLnBrk="1" latinLnBrk="0" hangingPunct="1">
+              <a:defRPr sz="1800" kern="1200">
+                <a:solidFill>
+                  <a:schemeClr val="dk1"/>
+                </a:solidFill>
+                <a:latin typeface="+mn-lt"/>
+                <a:ea typeface="+mn-ea"/>
+                <a:cs typeface="+mn-cs"/>
+              </a:defRPr>
+            </a:lvl2pPr>
+            <a:lvl3pPr marL="914400" algn="l" defTabSz="914400" rtl="0" eaLnBrk="1" latinLnBrk="0" hangingPunct="1">
+              <a:defRPr sz="1800" kern="1200">
+                <a:solidFill>
+                  <a:schemeClr val="dk1"/>
+                </a:solidFill>
+                <a:latin typeface="+mn-lt"/>
+                <a:ea typeface="+mn-ea"/>
+                <a:cs typeface="+mn-cs"/>
+              </a:defRPr>
+            </a:lvl3pPr>
+            <a:lvl4pPr marL="1371600" algn="l" defTabSz="914400" rtl="0" eaLnBrk="1" latinLnBrk="0" hangingPunct="1">
+              <a:defRPr sz="1800" kern="1200">
+                <a:solidFill>
+                  <a:schemeClr val="dk1"/>
+                </a:solidFill>
+                <a:latin typeface="+mn-lt"/>
+                <a:ea typeface="+mn-ea"/>
+                <a:cs typeface="+mn-cs"/>
+              </a:defRPr>
+            </a:lvl4pPr>
+            <a:lvl5pPr marL="1828800" algn="l" defTabSz="914400" rtl="0" eaLnBrk="1" latinLnBrk="0" hangingPunct="1">
+              <a:defRPr sz="1800" kern="1200">
+                <a:solidFill>
+                  <a:schemeClr val="dk1"/>
+                </a:solidFill>
+                <a:latin typeface="+mn-lt"/>
+                <a:ea typeface="+mn-ea"/>
+                <a:cs typeface="+mn-cs"/>
+              </a:defRPr>
+            </a:lvl5pPr>
+            <a:lvl6pPr marL="2286000" algn="l" defTabSz="914400" rtl="0" eaLnBrk="1" latinLnBrk="0" hangingPunct="1">
+              <a:defRPr sz="1800" kern="1200">
+                <a:solidFill>
+                  <a:schemeClr val="dk1"/>
+                </a:solidFill>
+                <a:latin typeface="+mn-lt"/>
+                <a:ea typeface="+mn-ea"/>
+                <a:cs typeface="+mn-cs"/>
+              </a:defRPr>
+            </a:lvl6pPr>
+            <a:lvl7pPr marL="2743200" algn="l" defTabSz="914400" rtl="0" eaLnBrk="1" latinLnBrk="0" hangingPunct="1">
+              <a:defRPr sz="1800" kern="1200">
+                <a:solidFill>
+                  <a:schemeClr val="dk1"/>
+                </a:solidFill>
+                <a:latin typeface="+mn-lt"/>
+                <a:ea typeface="+mn-ea"/>
+                <a:cs typeface="+mn-cs"/>
+              </a:defRPr>
+            </a:lvl7pPr>
+            <a:lvl8pPr marL="3200400" algn="l" defTabSz="914400" rtl="0" eaLnBrk="1" latinLnBrk="0" hangingPunct="1">
+              <a:defRPr sz="1800" kern="1200">
+                <a:solidFill>
+                  <a:schemeClr val="dk1"/>
+                </a:solidFill>
+                <a:latin typeface="+mn-lt"/>
+                <a:ea typeface="+mn-ea"/>
+                <a:cs typeface="+mn-cs"/>
+              </a:defRPr>
+            </a:lvl8pPr>
+            <a:lvl9pPr marL="3657600" algn="l" defTabSz="914400" rtl="0" eaLnBrk="1" latinLnBrk="0" hangingPunct="1">
+              <a:defRPr sz="1800" kern="1200">
+                <a:solidFill>
+                  <a:schemeClr val="dk1"/>
+                </a:solidFill>
+                <a:latin typeface="+mn-lt"/>
+                <a:ea typeface="+mn-ea"/>
+                <a:cs typeface="+mn-cs"/>
+              </a:defRPr>
+            </a:lvl9pPr>
+          </a:lstStyle>
           <a:p>
             <a:endParaRPr lang="en-US" sz="1200" b="1" dirty="0">
               <a:solidFill>
-                <a:srgbClr val="0070C0"/>
+                <a:schemeClr val="accent3">
+                  <a:lumMod val="75000"/>
+                </a:schemeClr>
               </a:solidFill>
             </a:endParaRPr>
           </a:p>
           <a:p>
             <a:endParaRPr lang="en-US" sz="1200" b="1" dirty="0">
               <a:solidFill>
-                <a:srgbClr val="0070C0"/>
+                <a:schemeClr val="accent3">
+                  <a:lumMod val="75000"/>
+                </a:schemeClr>
               </a:solidFill>
             </a:endParaRPr>
           </a:p>
@@ -3795,19 +3764,62 @@
             <a:r>
               <a:rPr lang="en-US" sz="1200" b="1" dirty="0">
                 <a:solidFill>
-                  <a:srgbClr val="0070C0"/>
+                  <a:schemeClr val="accent3">
+                    <a:lumMod val="75000"/>
+                  </a:schemeClr>
                 </a:solidFill>
               </a:rPr>
-              <a:t>Logic</a:t>
+              <a:t>UI</a:t>
             </a:r>
             <a:endParaRPr lang="en-SG" sz="1200" b="1" dirty="0">
               <a:solidFill>
-                <a:srgbClr val="0070C0"/>
+                <a:schemeClr val="accent3">
+                  <a:lumMod val="75000"/>
+                </a:schemeClr>
               </a:solidFill>
             </a:endParaRPr>
           </a:p>
         </p:txBody>
       </p:sp>
+      <p:cxnSp>
+        <p:nvCxnSpPr>
+          <p:cNvPr id="46" name="Straight Connector 45"/>
+          <p:cNvCxnSpPr>
+            <a:cxnSpLocks/>
+          </p:cNvCxnSpPr>
+          <p:nvPr/>
+        </p:nvCxnSpPr>
+        <p:spPr>
+          <a:xfrm>
+            <a:off x="12573000" y="4578787"/>
+            <a:ext cx="0" cy="1974413"/>
+          </a:xfrm>
+          <a:prstGeom prst="line">
+            <a:avLst/>
+          </a:prstGeom>
+          <a:ln w="19050">
+            <a:solidFill>
+              <a:srgbClr val="00B050"/>
+            </a:solidFill>
+            <a:prstDash val="sysDash"/>
+          </a:ln>
+          <a:effectLst/>
+        </p:spPr>
+        <p:style>
+          <a:lnRef idx="1">
+            <a:schemeClr val="accent1"/>
+          </a:lnRef>
+          <a:fillRef idx="2">
+            <a:schemeClr val="accent1"/>
+          </a:fillRef>
+          <a:effectRef idx="1">
+            <a:schemeClr val="accent1"/>
+          </a:effectRef>
+          <a:fontRef idx="minor">
+            <a:schemeClr val="dk1"/>
+          </a:fontRef>
+        </p:style>
+      </p:cxnSp>
       <p:sp>
         <p:nvSpPr>
           <p:cNvPr id="2" name="Rectangle 62"/>
@@ -3816,7 +3828,7 @@
         </p:nvSpPr>
         <p:spPr>
           <a:xfrm>
-            <a:off x="-1204623" y="-453937"/>
+            <a:off x="-7167050" y="-492037"/>
             <a:ext cx="1455629" cy="346760"/>
           </a:xfrm>
           <a:prstGeom prst="rect">
@@ -3877,9 +3889,9 @@
           <p:nvPr/>
         </p:nvCxnSpPr>
         <p:spPr>
-          <a:xfrm>
-            <a:off x="-476808" y="-107177"/>
-            <a:ext cx="10643" cy="6107027"/>
+          <a:xfrm flipH="1">
+            <a:off x="-6456446" y="-145277"/>
+            <a:ext cx="17211" cy="9999727"/>
           </a:xfrm>
           <a:prstGeom prst="line">
             <a:avLst/>
@@ -3915,8 +3927,8 @@
         </p:nvSpPr>
         <p:spPr>
           <a:xfrm>
-            <a:off x="-541955" y="107165"/>
-            <a:ext cx="134393" cy="5737746"/>
+            <a:off x="-6504381" y="69065"/>
+            <a:ext cx="92785" cy="9701328"/>
           </a:xfrm>
           <a:prstGeom prst="rect">
             <a:avLst/>
@@ -3962,7 +3974,7 @@
         </p:nvSpPr>
         <p:spPr>
           <a:xfrm>
-            <a:off x="625742" y="-453937"/>
+            <a:off x="-5336685" y="-492037"/>
             <a:ext cx="1219200" cy="467684"/>
           </a:xfrm>
           <a:prstGeom prst="rect">
@@ -4035,7 +4047,7 @@
         </p:nvCxnSpPr>
         <p:spPr>
           <a:xfrm flipH="1">
-            <a:off x="1224176" y="13747"/>
+            <a:off x="-4738251" y="-24353"/>
             <a:ext cx="11166" cy="2549300"/>
           </a:xfrm>
           <a:prstGeom prst="line">
@@ -4072,7 +4084,7 @@
         </p:nvSpPr>
         <p:spPr>
           <a:xfrm>
-            <a:off x="1169962" y="339618"/>
+            <a:off x="-4792465" y="301518"/>
             <a:ext cx="120505" cy="2106147"/>
           </a:xfrm>
           <a:prstGeom prst="rect">
@@ -4115,53 +4127,6 @@
           </a:p>
         </p:txBody>
       </p:sp>
-      <p:sp>
-        <p:nvSpPr>
-          <p:cNvPr id="21" name="Rectangle 20"/>
-          <p:cNvSpPr/>
-          <p:nvPr/>
-        </p:nvSpPr>
-        <p:spPr>
-          <a:xfrm>
-            <a:off x="4241401" y="1838772"/>
-            <a:ext cx="175511" cy="184666"/>
-          </a:xfrm>
-          <a:prstGeom prst="rect">
-            <a:avLst/>
-          </a:prstGeom>
-          <a:solidFill>
-            <a:srgbClr val="0070C0"/>
-          </a:solidFill>
-          <a:ln>
-            <a:solidFill>
-              <a:srgbClr val="0070C0"/>
-            </a:solidFill>
-          </a:ln>
-          <a:effectLst/>
-        </p:spPr>
-        <p:style>
-          <a:lnRef idx="1">
-            <a:schemeClr val="accent3"/>
-          </a:lnRef>
-          <a:fillRef idx="2">
-            <a:schemeClr val="accent3"/>
-          </a:fillRef>
-          <a:effectRef idx="1">
-            <a:schemeClr val="accent3"/>
-          </a:effectRef>
-          <a:fontRef idx="minor">
-            <a:schemeClr val="dk1"/>
-          </a:fontRef>
-        </p:style>
-        <p:txBody>
-          <a:bodyPr rtlCol="0" anchor="ctr"/>
-          <a:lstStyle/>
-          <a:p>
-            <a:pPr algn="ctr"/>
-            <a:endParaRPr lang="en-SG" sz="1400"/>
-          </a:p>
-        </p:txBody>
-      </p:sp>
       <p:cxnSp>
         <p:nvCxnSpPr>
           <p:cNvPr id="23" name="Straight Arrow Connector 22"/>
@@ -4170,7 +4135,7 @@
         </p:nvCxnSpPr>
         <p:spPr>
           <a:xfrm>
-            <a:off x="-1668631" y="117008"/>
+            <a:off x="-7631058" y="78908"/>
             <a:ext cx="1119851" cy="0"/>
           </a:xfrm>
           <a:prstGeom prst="straightConnector1">
@@ -4206,8 +4171,8 @@
         </p:nvSpPr>
         <p:spPr>
           <a:xfrm>
-            <a:off x="-2225913" y="142608"/>
-            <a:ext cx="1624103" cy="646331"/>
+            <a:off x="-8127939" y="150158"/>
+            <a:ext cx="1624103" cy="553998"/>
           </a:xfrm>
           <a:prstGeom prst="rect">
             <a:avLst/>
@@ -4222,7 +4187,7 @@
           <a:p>
             <a:pPr algn="ctr"/>
             <a:r>
-              <a:rPr lang="en-US" sz="1400" dirty="0">
+              <a:rPr lang="en-US" sz="1200" dirty="0">
                 <a:solidFill>
                   <a:srgbClr val="0070C0"/>
                 </a:solidFill>
@@ -4233,7 +4198,7 @@
           <a:p>
             <a:pPr algn="ctr"/>
             <a:r>
-              <a:rPr lang="en-US" sz="1400" dirty="0">
+              <a:rPr lang="en-US" sz="1200" dirty="0">
                 <a:solidFill>
                   <a:srgbClr val="0070C0"/>
                 </a:solidFill>
@@ -4241,7 +4206,7 @@
               <a:t>(“</a:t>
             </a:r>
             <a:r>
-              <a:rPr lang="en-US" sz="1400" dirty="0" err="1">
+              <a:rPr lang="en-US" sz="1200" dirty="0" err="1">
                 <a:solidFill>
                   <a:srgbClr val="0070C0"/>
                 </a:solidFill>
@@ -4249,15 +4214,15 @@
               <a:t>disp</a:t>
             </a:r>
             <a:r>
-              <a:rPr lang="en-US" sz="1400" dirty="0">
+              <a:rPr lang="en-US" sz="1200" dirty="0">
                 <a:solidFill>
                   <a:srgbClr val="0070C0"/>
                 </a:solidFill>
               </a:rPr>
-              <a:t>  </a:t>
-            </a:r>
-            <a:r>
-              <a:rPr lang="en-US" sz="1400" dirty="0" err="1">
+              <a:t> </a:t>
+            </a:r>
+            <a:r>
+              <a:rPr lang="en-US" sz="1200" dirty="0" err="1">
                 <a:solidFill>
                   <a:srgbClr val="0070C0"/>
                 </a:solidFill>
@@ -4265,12 +4230,44 @@
               <a:t>tn</a:t>
             </a:r>
             <a:r>
-              <a:rPr lang="en-US" sz="1400" dirty="0">
+              <a:rPr lang="en-US" sz="1200" dirty="0">
                 <a:solidFill>
                   <a:srgbClr val="0070C0"/>
                 </a:solidFill>
               </a:rPr>
-              <a:t>/cs2113 highest/”)</a:t>
+              <a:t>/</a:t>
+            </a:r>
+            <a:r>
+              <a:rPr lang="en-US" sz="1200" dirty="0" err="1">
+                <a:solidFill>
+                  <a:srgbClr val="0070C0"/>
+                </a:solidFill>
+              </a:rPr>
+              <a:t>TestName</a:t>
+            </a:r>
+            <a:r>
+              <a:rPr lang="en-US" sz="1200" dirty="0">
+                <a:solidFill>
+                  <a:srgbClr val="0070C0"/>
+                </a:solidFill>
+              </a:rPr>
+              <a:t> {</a:t>
+            </a:r>
+            <a:r>
+              <a:rPr lang="en-US" sz="1200" dirty="0" err="1">
+                <a:solidFill>
+                  <a:srgbClr val="0070C0"/>
+                </a:solidFill>
+              </a:rPr>
+              <a:t>commandType</a:t>
+            </a:r>
+            <a:r>
+              <a:rPr lang="en-US" sz="1200" dirty="0">
+                <a:solidFill>
+                  <a:srgbClr val="0070C0"/>
+                </a:solidFill>
+              </a:rPr>
+              <a:t>}/”)</a:t>
             </a:r>
           </a:p>
         </p:txBody>
@@ -4285,7 +4282,7 @@
         </p:nvCxnSpPr>
         <p:spPr>
           <a:xfrm>
-            <a:off x="1276039" y="1548120"/>
+            <a:off x="-4686388" y="1510020"/>
             <a:ext cx="1492167" cy="0"/>
           </a:xfrm>
           <a:prstGeom prst="straightConnector1">
@@ -4321,7 +4318,7 @@
         </p:nvSpPr>
         <p:spPr>
           <a:xfrm>
-            <a:off x="1400833" y="2616319"/>
+            <a:off x="-4561594" y="2578219"/>
             <a:ext cx="855809" cy="215444"/>
           </a:xfrm>
           <a:prstGeom prst="rect">
@@ -4363,7 +4360,7 @@
         </p:nvCxnSpPr>
         <p:spPr>
           <a:xfrm>
-            <a:off x="1297747" y="2293760"/>
+            <a:off x="-4664680" y="2255660"/>
             <a:ext cx="1469627" cy="0"/>
           </a:xfrm>
           <a:prstGeom prst="straightConnector1">
@@ -4401,7 +4398,7 @@
         </p:nvCxnSpPr>
         <p:spPr>
           <a:xfrm>
-            <a:off x="-1753594" y="5844911"/>
+            <a:off x="-7631058" y="9772210"/>
             <a:ext cx="1196051" cy="0"/>
           </a:xfrm>
           <a:prstGeom prst="straightConnector1">
@@ -4433,14 +4430,14 @@
       </p:cxnSp>
       <p:sp>
         <p:nvSpPr>
-          <p:cNvPr id="79" name="TextBox 78"/>
+          <p:cNvPr id="80" name="TextBox 79"/>
           <p:cNvSpPr txBox="1"/>
           <p:nvPr/>
         </p:nvSpPr>
         <p:spPr>
           <a:xfrm>
-            <a:off x="4968918" y="2710953"/>
-            <a:ext cx="1493947" cy="184666"/>
+            <a:off x="-6169556" y="436858"/>
+            <a:ext cx="1258496" cy="553998"/>
           </a:xfrm>
           <a:prstGeom prst="rect">
             <a:avLst/>
@@ -4464,32 +4461,63 @@
             </a:lvl1pPr>
           </a:lstStyle>
           <a:p>
-            <a:r>
-              <a:rPr lang="en-US" sz="1200">
-                <a:solidFill>
-                  <a:srgbClr val="00B050"/>
-                </a:solidFill>
-              </a:rPr>
-              <a:t>Display Summary</a:t>
-            </a:r>
-            <a:endParaRPr lang="en-US" sz="1200" dirty="0">
-              <a:solidFill>
-                <a:srgbClr val="00B050"/>
-              </a:solidFill>
-            </a:endParaRPr>
-          </a:p>
-        </p:txBody>
-      </p:sp>
-      <p:sp>
-        <p:nvSpPr>
-          <p:cNvPr id="80" name="TextBox 79"/>
+            <a:pPr algn="ctr"/>
+            <a:r>
+              <a:rPr lang="en-US" sz="1200" dirty="0"/>
+              <a:t>parseCommand</a:t>
+            </a:r>
+          </a:p>
+          <a:p>
+            <a:pPr algn="ctr"/>
+            <a:r>
+              <a:rPr lang="en-US" sz="1200" dirty="0"/>
+              <a:t>(“</a:t>
+            </a:r>
+            <a:r>
+              <a:rPr lang="en-US" sz="1200" dirty="0" err="1"/>
+              <a:t>disp</a:t>
+            </a:r>
+            <a:r>
+              <a:rPr lang="en-US" sz="1200" dirty="0"/>
+              <a:t> </a:t>
+            </a:r>
+            <a:r>
+              <a:rPr lang="en-US" sz="1200" dirty="0" err="1"/>
+              <a:t>tn</a:t>
+            </a:r>
+            <a:r>
+              <a:rPr lang="en-US" sz="1200" dirty="0"/>
+              <a:t>/</a:t>
+            </a:r>
+            <a:r>
+              <a:rPr lang="en-US" sz="1200" dirty="0" err="1"/>
+              <a:t>TestName</a:t>
+            </a:r>
+            <a:r>
+              <a:rPr lang="en-US" sz="1200" dirty="0"/>
+              <a:t> {</a:t>
+            </a:r>
+            <a:r>
+              <a:rPr lang="en-US" sz="1200" dirty="0" err="1"/>
+              <a:t>commandType</a:t>
+            </a:r>
+            <a:r>
+              <a:rPr lang="en-US" sz="1200" dirty="0"/>
+              <a:t>}/”)</a:t>
+            </a:r>
+          </a:p>
+        </p:txBody>
+      </p:sp>
+      <p:sp>
+        <p:nvSpPr>
+          <p:cNvPr id="82" name="TextBox 81"/>
           <p:cNvSpPr txBox="1"/>
           <p:nvPr/>
         </p:nvSpPr>
         <p:spPr>
           <a:xfrm>
-            <a:off x="-359806" y="396953"/>
-            <a:ext cx="1549469" cy="646331"/>
+            <a:off x="-5063931" y="9307733"/>
+            <a:ext cx="621216" cy="215444"/>
           </a:xfrm>
           <a:prstGeom prst="rect">
             <a:avLst/>
@@ -4513,48 +4541,23 @@
             </a:lvl1pPr>
           </a:lstStyle>
           <a:p>
-            <a:pPr algn="ctr"/>
-            <a:r>
-              <a:rPr lang="en-US" dirty="0" err="1"/>
-              <a:t>parseCommand</a:t>
-            </a:r>
-            <a:endParaRPr lang="en-US" dirty="0"/>
-          </a:p>
-          <a:p>
-            <a:pPr algn="ctr"/>
             <a:r>
               <a:rPr lang="en-US" dirty="0"/>
-              <a:t>(“</a:t>
-            </a:r>
-            <a:r>
-              <a:rPr lang="en-US" dirty="0" err="1"/>
-              <a:t>disp</a:t>
-            </a:r>
-            <a:r>
-              <a:rPr lang="en-US" dirty="0"/>
-              <a:t>  </a:t>
-            </a:r>
-            <a:r>
-              <a:rPr lang="en-US" dirty="0" err="1"/>
-              <a:t>tn</a:t>
-            </a:r>
-            <a:r>
-              <a:rPr lang="en-US" dirty="0"/>
-              <a:t>/cs2113 highest/”)</a:t>
-            </a:r>
-          </a:p>
-        </p:txBody>
-      </p:sp>
-      <p:sp>
-        <p:nvSpPr>
-          <p:cNvPr id="82" name="TextBox 81"/>
+              <a:t>result</a:t>
+            </a:r>
+          </a:p>
+        </p:txBody>
+      </p:sp>
+      <p:sp>
+        <p:nvSpPr>
+          <p:cNvPr id="83" name="TextBox 82"/>
           <p:cNvSpPr txBox="1"/>
           <p:nvPr/>
         </p:nvSpPr>
         <p:spPr>
           <a:xfrm>
-            <a:off x="1812695" y="5330488"/>
-            <a:ext cx="621216" cy="215444"/>
+            <a:off x="-7490758" y="9523177"/>
+            <a:ext cx="762000" cy="215444"/>
           </a:xfrm>
           <a:prstGeom prst="rect">
             <a:avLst/>
@@ -4587,82 +4590,63 @@
       </p:sp>
       <p:sp>
         <p:nvSpPr>
-          <p:cNvPr id="83" name="TextBox 82"/>
-          <p:cNvSpPr txBox="1"/>
-          <p:nvPr/>
-        </p:nvSpPr>
-        <p:spPr>
-          <a:xfrm>
-            <a:off x="-1600591" y="5572448"/>
-            <a:ext cx="762000" cy="215444"/>
+          <p:cNvPr id="40" name="Rectangle 62"/>
+          <p:cNvSpPr/>
+          <p:nvPr/>
+        </p:nvSpPr>
+        <p:spPr>
+          <a:xfrm>
+            <a:off x="12188564" y="4278607"/>
+            <a:ext cx="841636" cy="300180"/>
           </a:xfrm>
           <a:prstGeom prst="rect">
             <a:avLst/>
           </a:prstGeom>
-          <a:noFill/>
-        </p:spPr>
-        <p:txBody>
-          <a:bodyPr wrap="square" lIns="0" tIns="0" rIns="0" bIns="0" rtlCol="0">
-            <a:spAutoFit/>
-          </a:bodyPr>
-          <a:lstStyle>
-            <a:defPPr>
-              <a:defRPr lang="en-US"/>
-            </a:defPPr>
-            <a:lvl1pPr algn="r">
-              <a:defRPr sz="1400">
-                <a:solidFill>
-                  <a:srgbClr val="0070C0"/>
-                </a:solidFill>
-              </a:defRPr>
-            </a:lvl1pPr>
-          </a:lstStyle>
-          <a:p>
-            <a:r>
-              <a:rPr lang="en-US" dirty="0"/>
-              <a:t>result</a:t>
-            </a:r>
-          </a:p>
-        </p:txBody>
-      </p:sp>
-      <p:cxnSp>
-        <p:nvCxnSpPr>
-          <p:cNvPr id="50" name="Straight Arrow Connector 49"/>
-          <p:cNvCxnSpPr>
-            <a:cxnSpLocks/>
-          </p:cNvCxnSpPr>
-          <p:nvPr/>
-        </p:nvCxnSpPr>
-        <p:spPr>
-          <a:xfrm>
-            <a:off x="4395454" y="2971800"/>
-            <a:ext cx="2676950" cy="0"/>
-          </a:xfrm>
-          <a:prstGeom prst="straightConnector1">
-            <a:avLst/>
-          </a:prstGeom>
+          <a:solidFill>
+            <a:srgbClr val="92D050"/>
+          </a:solidFill>
           <a:ln w="19050">
             <a:solidFill>
-              <a:srgbClr val="0070C0"/>
+              <a:srgbClr val="00B050"/>
             </a:solidFill>
-            <a:tailEnd type="arrow"/>
           </a:ln>
+          <a:effectLst/>
         </p:spPr>
         <p:style>
           <a:lnRef idx="1">
-            <a:schemeClr val="accent1"/>
+            <a:schemeClr val="accent2"/>
           </a:lnRef>
-          <a:fillRef idx="0">
-            <a:schemeClr val="accent1"/>
+          <a:fillRef idx="2">
+            <a:schemeClr val="accent2"/>
           </a:fillRef>
-          <a:effectRef idx="0">
-            <a:schemeClr val="accent1"/>
+          <a:effectRef idx="1">
+            <a:schemeClr val="accent2"/>
           </a:effectRef>
           <a:fontRef idx="minor">
-            <a:schemeClr val="tx1"/>
+            <a:schemeClr val="dk1"/>
           </a:fontRef>
         </p:style>
-      </p:cxnSp>
+        <p:txBody>
+          <a:bodyPr rtlCol="0" anchor="ctr"/>
+          <a:lstStyle/>
+          <a:p>
+            <a:pPr algn="ctr"/>
+            <a:r>
+              <a:rPr lang="en-US" sz="1600" dirty="0">
+                <a:solidFill>
+                  <a:schemeClr val="bg1"/>
+                </a:solidFill>
+              </a:rPr>
+              <a:t>: View</a:t>
+            </a:r>
+            <a:endParaRPr lang="en-SG" sz="1600" dirty="0">
+              <a:solidFill>
+                <a:schemeClr val="bg1"/>
+              </a:solidFill>
+            </a:endParaRPr>
+          </a:p>
+        </p:txBody>
+      </p:sp>
       <p:sp>
         <p:nvSpPr>
           <p:cNvPr id="4" name="TextBox 3"/>
@@ -4671,8 +4655,8 @@
         </p:nvSpPr>
         <p:spPr>
           <a:xfrm>
-            <a:off x="4181143" y="5738240"/>
-            <a:ext cx="258404" cy="261610"/>
+            <a:off x="-1796034" y="9854450"/>
+            <a:ext cx="175832" cy="261610"/>
           </a:xfrm>
           <a:prstGeom prst="rect">
             <a:avLst/>
@@ -4680,7 +4664,7 @@
           <a:noFill/>
         </p:spPr>
         <p:txBody>
-          <a:bodyPr wrap="none" rtlCol="0">
+          <a:bodyPr wrap="square" rtlCol="0">
             <a:spAutoFit/>
           </a:bodyPr>
           <a:lstStyle/>
@@ -4712,7 +4696,7 @@
         </p:nvCxnSpPr>
         <p:spPr>
           <a:xfrm>
-            <a:off x="-428013" y="2831763"/>
+            <a:off x="-6390440" y="2793663"/>
             <a:ext cx="4625273" cy="0"/>
           </a:xfrm>
           <a:prstGeom prst="straightConnector1">
@@ -4756,7 +4740,7 @@
         </p:nvCxnSpPr>
         <p:spPr>
           <a:xfrm>
-            <a:off x="-428013" y="338710"/>
+            <a:off x="-6390440" y="300610"/>
             <a:ext cx="1597975" cy="908"/>
           </a:xfrm>
           <a:prstGeom prst="straightConnector1">
@@ -4800,7 +4784,7 @@
         </p:nvCxnSpPr>
         <p:spPr>
           <a:xfrm flipV="1">
-            <a:off x="2911014" y="2029211"/>
+            <a:off x="-3051413" y="1991111"/>
             <a:ext cx="1376582" cy="1511"/>
           </a:xfrm>
           <a:prstGeom prst="straightConnector1">
@@ -4844,8 +4828,8 @@
         </p:nvSpPr>
         <p:spPr>
           <a:xfrm>
-            <a:off x="2023387" y="-10268"/>
-            <a:ext cx="1558014" cy="742248"/>
+            <a:off x="-3939041" y="227548"/>
+            <a:ext cx="1653909" cy="466331"/>
           </a:xfrm>
           <a:prstGeom prst="rect">
             <a:avLst/>
@@ -4893,7 +4877,23 @@
                   <a:schemeClr val="bg1"/>
                 </a:solidFill>
               </a:rPr>
-              <a:t>GradeSummaryCommandParser</a:t>
+              <a:t>GradeSummary</a:t>
+            </a:r>
+            <a:endParaRPr lang="en-US" sz="1600" dirty="0">
+              <a:solidFill>
+                <a:schemeClr val="bg1"/>
+              </a:solidFill>
+            </a:endParaRPr>
+          </a:p>
+          <a:p>
+            <a:pPr algn="ctr"/>
+            <a:r>
+              <a:rPr lang="en-US" sz="1600" dirty="0">
+                <a:solidFill>
+                  <a:schemeClr val="bg1"/>
+                </a:solidFill>
+              </a:rPr>
+              <a:t>CommandParser</a:t>
             </a:r>
             <a:endParaRPr lang="en-SG" sz="1600" dirty="0">
               <a:solidFill>
@@ -4919,9 +4919,9 @@
           <p:nvPr/>
         </p:nvCxnSpPr>
         <p:spPr>
-          <a:xfrm>
-            <a:off x="2802394" y="731980"/>
-            <a:ext cx="26375" cy="1802374"/>
+          <a:xfrm flipH="1">
+            <a:off x="-3133659" y="693879"/>
+            <a:ext cx="21573" cy="1802375"/>
           </a:xfrm>
           <a:prstGeom prst="line">
             <a:avLst/>
@@ -4949,68 +4949,6 @@
           </a:fontRef>
         </p:style>
       </p:cxnSp>
-      <p:sp>
-        <p:nvSpPr>
-          <p:cNvPr id="53" name="TextBox 52">
-            <a:extLst>
-              <a:ext uri="{FF2B5EF4-FFF2-40B4-BE49-F238E27FC236}">
-                <a16:creationId xmlns:a16="http://schemas.microsoft.com/office/drawing/2014/main" id="{6AED1F6A-E74C-495F-9D64-EE88F11040E6}"/>
-              </a:ext>
-            </a:extLst>
-          </p:cNvPr>
-          <p:cNvSpPr txBox="1"/>
-          <p:nvPr/>
-        </p:nvSpPr>
-        <p:spPr>
-          <a:xfrm>
-            <a:off x="1175991" y="934031"/>
-            <a:ext cx="1713137" cy="430887"/>
-          </a:xfrm>
-          <a:prstGeom prst="rect">
-            <a:avLst/>
-          </a:prstGeom>
-          <a:noFill/>
-        </p:spPr>
-        <p:txBody>
-          <a:bodyPr wrap="square" lIns="0" tIns="0" rIns="0" bIns="0" rtlCol="0">
-            <a:spAutoFit/>
-          </a:bodyPr>
-          <a:lstStyle>
-            <a:defPPr>
-              <a:defRPr lang="en-US"/>
-            </a:defPPr>
-            <a:lvl1pPr algn="r">
-              <a:defRPr sz="1400">
-                <a:solidFill>
-                  <a:srgbClr val="0070C0"/>
-                </a:solidFill>
-              </a:defRPr>
-            </a:lvl1pPr>
-          </a:lstStyle>
-          <a:p>
-            <a:pPr algn="ctr"/>
-            <a:r>
-              <a:rPr lang="en-US" dirty="0"/>
-              <a:t>parse</a:t>
-            </a:r>
-          </a:p>
-          <a:p>
-            <a:pPr algn="ctr"/>
-            <a:r>
-              <a:rPr lang="en-US" dirty="0"/>
-              <a:t>(“  </a:t>
-            </a:r>
-            <a:r>
-              <a:rPr lang="en-US" dirty="0" err="1"/>
-              <a:t>tn</a:t>
-            </a:r>
-            <a:r>
-              <a:rPr lang="en-US" dirty="0"/>
-              <a:t>/cs2113 highest/”)</a:t>
-            </a:r>
-          </a:p>
-        </p:txBody>
-      </p:sp>
       <p:sp>
         <p:nvSpPr>
           <p:cNvPr id="55" name="Rectangle 54">
@@ -5025,7 +4963,7 @@
         </p:nvSpPr>
         <p:spPr>
           <a:xfrm>
-            <a:off x="2756937" y="1533638"/>
+            <a:off x="-3205490" y="1495538"/>
             <a:ext cx="166521" cy="760122"/>
           </a:xfrm>
           <a:prstGeom prst="rect">
@@ -5085,8 +5023,8 @@
         </p:nvCxnSpPr>
         <p:spPr>
           <a:xfrm flipV="1">
-            <a:off x="2902140" y="1569733"/>
-            <a:ext cx="816705" cy="17484"/>
+            <a:off x="-3060287" y="1549115"/>
+            <a:ext cx="816705" cy="2"/>
           </a:xfrm>
           <a:prstGeom prst="straightConnector1">
             <a:avLst/>
@@ -5127,8 +5065,8 @@
         </p:nvSpPr>
         <p:spPr>
           <a:xfrm>
-            <a:off x="3718845" y="1283915"/>
-            <a:ext cx="1678093" cy="571636"/>
+            <a:off x="-2243582" y="1280779"/>
+            <a:ext cx="1617116" cy="536672"/>
           </a:xfrm>
           <a:prstGeom prst="rect">
             <a:avLst/>
@@ -5168,7 +5106,15 @@
                   <a:schemeClr val="bg1"/>
                 </a:solidFill>
               </a:rPr>
-              <a:t>:GradeSummaryCommand</a:t>
+              <a:t>:</a:t>
+            </a:r>
+            <a:r>
+              <a:rPr lang="en-US" sz="1600" dirty="0" err="1">
+                <a:solidFill>
+                  <a:schemeClr val="bg1"/>
+                </a:solidFill>
+              </a:rPr>
+              <a:t>GradeSummaryCommand</a:t>
             </a:r>
             <a:endParaRPr lang="en-SG" sz="1600" dirty="0">
               <a:solidFill>
@@ -5189,14 +5135,13 @@
           </p:cNvPr>
           <p:cNvCxnSpPr>
             <a:cxnSpLocks/>
-            <a:endCxn id="4" idx="0"/>
           </p:cNvCxnSpPr>
           <p:nvPr/>
         </p:nvCxnSpPr>
         <p:spPr>
-          <a:xfrm flipH="1">
-            <a:off x="4310345" y="1831488"/>
-            <a:ext cx="21242" cy="3906752"/>
+          <a:xfrm>
+            <a:off x="-1688693" y="1842851"/>
+            <a:ext cx="5894" cy="7938884"/>
           </a:xfrm>
           <a:prstGeom prst="line">
             <a:avLst/>
@@ -5238,7 +5183,7 @@
         </p:nvSpPr>
         <p:spPr>
           <a:xfrm>
-            <a:off x="236490" y="2186038"/>
+            <a:off x="-5725937" y="2147938"/>
             <a:ext cx="220343" cy="215444"/>
           </a:xfrm>
           <a:prstGeom prst="rect">
@@ -5286,7 +5231,7 @@
         </p:nvCxnSpPr>
         <p:spPr>
           <a:xfrm>
-            <a:off x="-396339" y="2445765"/>
+            <a:off x="-6358766" y="2407665"/>
             <a:ext cx="1533625" cy="0"/>
           </a:xfrm>
           <a:prstGeom prst="straightConnector1">
@@ -5316,49 +5261,6 @@
           </a:fontRef>
         </p:style>
       </p:cxnSp>
-      <p:sp>
-        <p:nvSpPr>
-          <p:cNvPr id="158" name="TextBox 157">
-            <a:extLst>
-              <a:ext uri="{FF2B5EF4-FFF2-40B4-BE49-F238E27FC236}">
-                <a16:creationId xmlns:a16="http://schemas.microsoft.com/office/drawing/2014/main" id="{1C0DD7F6-7038-4186-88AA-02ED38810CB4}"/>
-              </a:ext>
-            </a:extLst>
-          </p:cNvPr>
-          <p:cNvSpPr txBox="1"/>
-          <p:nvPr/>
-        </p:nvSpPr>
-        <p:spPr>
-          <a:xfrm>
-            <a:off x="9214175" y="3846612"/>
-            <a:ext cx="952727" cy="184666"/>
-          </a:xfrm>
-          <a:prstGeom prst="rect">
-            <a:avLst/>
-          </a:prstGeom>
-          <a:noFill/>
-        </p:spPr>
-        <p:txBody>
-          <a:bodyPr wrap="square" lIns="0" tIns="0" rIns="0" bIns="0" rtlCol="0">
-            <a:spAutoFit/>
-          </a:bodyPr>
-          <a:lstStyle>
-            <a:defPPr>
-              <a:defRPr lang="en-US"/>
-            </a:defPPr>
-            <a:lvl1pPr algn="r">
-              <a:defRPr sz="1400">
-                <a:solidFill>
-                  <a:srgbClr val="0070C0"/>
-                </a:solidFill>
-              </a:defRPr>
-            </a:lvl1pPr>
-          </a:lstStyle>
-          <a:p>
-            <a:endParaRPr lang="en-US" sz="1200" dirty="0"/>
-          </a:p>
-        </p:txBody>
-      </p:sp>
       <p:cxnSp>
         <p:nvCxnSpPr>
           <p:cNvPr id="174" name="Straight Arrow Connector 173">
@@ -5375,8 +5277,8 @@
         </p:nvCxnSpPr>
         <p:spPr>
           <a:xfrm flipV="1">
-            <a:off x="-419287" y="5586294"/>
-            <a:ext cx="4647017" cy="14228"/>
+            <a:off x="-6448532" y="9601199"/>
+            <a:ext cx="3165400" cy="1"/>
           </a:xfrm>
           <a:prstGeom prst="straightConnector1">
             <a:avLst/>
@@ -5419,7 +5321,7 @@
         </p:nvSpPr>
         <p:spPr>
           <a:xfrm>
-            <a:off x="2752003" y="701344"/>
+            <a:off x="-3210424" y="663244"/>
             <a:ext cx="166521" cy="204295"/>
           </a:xfrm>
           <a:prstGeom prst="rect">
@@ -5478,7 +5380,7 @@
         </p:nvCxnSpPr>
         <p:spPr>
           <a:xfrm>
-            <a:off x="1297293" y="396953"/>
+            <a:off x="-4665134" y="358853"/>
             <a:ext cx="735268" cy="0"/>
           </a:xfrm>
           <a:prstGeom prst="straightConnector1">
@@ -5522,7 +5424,7 @@
         </p:nvCxnSpPr>
         <p:spPr>
           <a:xfrm>
-            <a:off x="1322232" y="901160"/>
+            <a:off x="-4640195" y="863060"/>
             <a:ext cx="1477374" cy="0"/>
           </a:xfrm>
           <a:prstGeom prst="straightConnector1">
@@ -5566,7 +5468,7 @@
         </p:nvSpPr>
         <p:spPr>
           <a:xfrm>
-            <a:off x="2699566" y="2480972"/>
+            <a:off x="-3262861" y="2442872"/>
             <a:ext cx="258404" cy="261610"/>
           </a:xfrm>
           <a:prstGeom prst="rect">
@@ -5605,7 +5507,7 @@
         </p:nvSpPr>
         <p:spPr>
           <a:xfrm>
-            <a:off x="4680876" y="4189878"/>
+            <a:off x="-4091857" y="6334346"/>
             <a:ext cx="1576051" cy="504882"/>
           </a:xfrm>
           <a:prstGeom prst="rect">
@@ -5656,50 +5558,6 @@
           </a:p>
         </p:txBody>
       </p:sp>
-      <p:cxnSp>
-        <p:nvCxnSpPr>
-          <p:cNvPr id="114" name="Straight Arrow Connector 113">
-            <a:extLst>
-              <a:ext uri="{FF2B5EF4-FFF2-40B4-BE49-F238E27FC236}">
-                <a16:creationId xmlns:a16="http://schemas.microsoft.com/office/drawing/2014/main" id="{793EDF3C-1ABF-4005-A335-A40064B116B1}"/>
-              </a:ext>
-            </a:extLst>
-          </p:cNvPr>
-          <p:cNvCxnSpPr>
-            <a:cxnSpLocks/>
-          </p:cNvCxnSpPr>
-          <p:nvPr/>
-        </p:nvCxnSpPr>
-        <p:spPr>
-          <a:xfrm>
-            <a:off x="4395454" y="4419600"/>
-            <a:ext cx="269634" cy="0"/>
-          </a:xfrm>
-          <a:prstGeom prst="straightConnector1">
-            <a:avLst/>
-          </a:prstGeom>
-          <a:ln w="19050">
-            <a:solidFill>
-              <a:srgbClr val="0070C0"/>
-            </a:solidFill>
-            <a:tailEnd type="arrow"/>
-          </a:ln>
-        </p:spPr>
-        <p:style>
-          <a:lnRef idx="1">
-            <a:schemeClr val="accent1"/>
-          </a:lnRef>
-          <a:fillRef idx="0">
-            <a:schemeClr val="accent1"/>
-          </a:fillRef>
-          <a:effectRef idx="0">
-            <a:schemeClr val="accent1"/>
-          </a:effectRef>
-          <a:fontRef idx="minor">
-            <a:schemeClr val="tx1"/>
-          </a:fontRef>
-        </p:style>
-      </p:cxnSp>
       <p:sp>
         <p:nvSpPr>
           <p:cNvPr id="117" name="Rectangle 116">
@@ -5714,8 +5572,8 @@
         </p:nvSpPr>
         <p:spPr>
           <a:xfrm>
-            <a:off x="5396939" y="4707212"/>
-            <a:ext cx="143923" cy="140025"/>
+            <a:off x="-3266192" y="7053377"/>
+            <a:ext cx="104844" cy="2555205"/>
           </a:xfrm>
           <a:prstGeom prst="rect">
             <a:avLst/>
@@ -5769,8 +5627,8 @@
         </p:nvCxnSpPr>
         <p:spPr>
           <a:xfrm>
-            <a:off x="4416912" y="4847237"/>
-            <a:ext cx="1084608" cy="0"/>
+            <a:off x="-3162821" y="7162085"/>
+            <a:ext cx="1457188" cy="0"/>
           </a:xfrm>
           <a:prstGeom prst="straightConnector1">
             <a:avLst/>
@@ -5807,8 +5665,8 @@
         </p:nvSpPr>
         <p:spPr>
           <a:xfrm>
-            <a:off x="4226017" y="2819437"/>
-            <a:ext cx="169437" cy="2781085"/>
+            <a:off x="-1736409" y="1890166"/>
+            <a:ext cx="109629" cy="7571917"/>
           </a:xfrm>
           <a:prstGeom prst="rect">
             <a:avLst/>
@@ -5848,10 +5706,143 @@
       </p:sp>
       <p:sp>
         <p:nvSpPr>
-          <p:cNvPr id="64" name="Rectangle 62">
+          <p:cNvPr id="91" name="TextBox 90">
             <a:extLst>
               <a:ext uri="{FF2B5EF4-FFF2-40B4-BE49-F238E27FC236}">
-                <a16:creationId xmlns:a16="http://schemas.microsoft.com/office/drawing/2014/main" id="{6283EC30-B3C5-495B-AB32-CBC8671B5E47}"/>
+                <a16:creationId xmlns:a16="http://schemas.microsoft.com/office/drawing/2014/main" id="{1A1B6FBD-E718-4866-A9BC-4A4EDEE37766}"/>
+              </a:ext>
+            </a:extLst>
+          </p:cNvPr>
+          <p:cNvSpPr txBox="1"/>
+          <p:nvPr/>
+        </p:nvSpPr>
+        <p:spPr>
+          <a:xfrm>
+            <a:off x="-4692980" y="911101"/>
+            <a:ext cx="1617116" cy="553998"/>
+          </a:xfrm>
+          <a:prstGeom prst="rect">
+            <a:avLst/>
+          </a:prstGeom>
+          <a:noFill/>
+        </p:spPr>
+        <p:txBody>
+          <a:bodyPr wrap="square" lIns="0" tIns="0" rIns="0" bIns="0" rtlCol="0">
+            <a:spAutoFit/>
+          </a:bodyPr>
+          <a:lstStyle>
+            <a:defPPr>
+              <a:defRPr lang="en-US"/>
+            </a:defPPr>
+            <a:lvl1pPr algn="r">
+              <a:defRPr sz="1400">
+                <a:solidFill>
+                  <a:srgbClr val="0070C0"/>
+                </a:solidFill>
+              </a:defRPr>
+            </a:lvl1pPr>
+          </a:lstStyle>
+          <a:p>
+            <a:pPr algn="ctr"/>
+            <a:r>
+              <a:rPr lang="en-US" sz="1200" dirty="0"/>
+              <a:t>parse</a:t>
+            </a:r>
+          </a:p>
+          <a:p>
+            <a:pPr algn="ctr"/>
+            <a:r>
+              <a:rPr lang="en-US" sz="1200" dirty="0"/>
+              <a:t>(“</a:t>
+            </a:r>
+            <a:r>
+              <a:rPr lang="en-US" sz="1200" dirty="0" err="1"/>
+              <a:t>tn</a:t>
+            </a:r>
+            <a:r>
+              <a:rPr lang="en-US" sz="1200" dirty="0"/>
+              <a:t>/</a:t>
+            </a:r>
+            <a:r>
+              <a:rPr lang="en-US" sz="1200" dirty="0" err="1"/>
+              <a:t>TestName</a:t>
+            </a:r>
+            <a:r>
+              <a:rPr lang="en-US" sz="1200" dirty="0"/>
+              <a:t> {</a:t>
+            </a:r>
+            <a:r>
+              <a:rPr lang="en-US" sz="1200" dirty="0" err="1"/>
+              <a:t>commandType</a:t>
+            </a:r>
+            <a:r>
+              <a:rPr lang="en-US" sz="1200" dirty="0"/>
+              <a:t>}/”)</a:t>
+            </a:r>
+          </a:p>
+        </p:txBody>
+      </p:sp>
+      <p:sp>
+        <p:nvSpPr>
+          <p:cNvPr id="92" name="TextBox 91">
+            <a:extLst>
+              <a:ext uri="{FF2B5EF4-FFF2-40B4-BE49-F238E27FC236}">
+                <a16:creationId xmlns:a16="http://schemas.microsoft.com/office/drawing/2014/main" id="{51B017C7-34EF-4C98-9CF2-2307470A9366}"/>
+              </a:ext>
+            </a:extLst>
+          </p:cNvPr>
+          <p:cNvSpPr txBox="1"/>
+          <p:nvPr/>
+        </p:nvSpPr>
+        <p:spPr>
+          <a:xfrm>
+            <a:off x="-1016736" y="4246211"/>
+            <a:ext cx="1558286" cy="184666"/>
+          </a:xfrm>
+          <a:prstGeom prst="rect">
+            <a:avLst/>
+          </a:prstGeom>
+          <a:noFill/>
+        </p:spPr>
+        <p:txBody>
+          <a:bodyPr wrap="square" lIns="0" tIns="0" rIns="0" bIns="0" rtlCol="0">
+            <a:spAutoFit/>
+          </a:bodyPr>
+          <a:lstStyle>
+            <a:defPPr>
+              <a:defRPr lang="en-US"/>
+            </a:defPPr>
+            <a:lvl1pPr algn="r">
+              <a:defRPr sz="1400">
+                <a:solidFill>
+                  <a:srgbClr val="0070C0"/>
+                </a:solidFill>
+              </a:defRPr>
+            </a:lvl1pPr>
+          </a:lstStyle>
+          <a:p>
+            <a:pPr algn="ctr"/>
+            <a:r>
+              <a:rPr lang="en-US" sz="1200" dirty="0"/>
+              <a:t>{</a:t>
+            </a:r>
+            <a:r>
+              <a:rPr lang="en-US" sz="1200" dirty="0" err="1"/>
+              <a:t>commandType</a:t>
+            </a:r>
+            <a:r>
+              <a:rPr lang="en-US" sz="1200" dirty="0"/>
+              <a:t>} == TTF</a:t>
+            </a:r>
+          </a:p>
+        </p:txBody>
+      </p:sp>
+      <p:sp>
+        <p:nvSpPr>
+          <p:cNvPr id="52" name="Rectangle 65">
+            <a:extLst>
+              <a:ext uri="{FF2B5EF4-FFF2-40B4-BE49-F238E27FC236}">
+                <a16:creationId xmlns:a16="http://schemas.microsoft.com/office/drawing/2014/main" id="{8B72A9C2-96C2-4FC1-A28C-C5CF2A58AC78}"/>
               </a:ext>
             </a:extLst>
           </p:cNvPr>
@@ -5860,19 +5851,22 @@
         </p:nvSpPr>
         <p:spPr>
           <a:xfrm>
-            <a:off x="6799691" y="2480972"/>
-            <a:ext cx="841636" cy="300180"/>
-          </a:xfrm>
-          <a:prstGeom prst="rect">
-            <a:avLst/>
+            <a:off x="10489186" y="-725625"/>
+            <a:ext cx="1363346" cy="11317425"/>
+          </a:xfrm>
+          <a:prstGeom prst="roundRect">
+            <a:avLst>
+              <a:gd name="adj" fmla="val 3484"/>
+            </a:avLst>
           </a:prstGeom>
           <a:solidFill>
-            <a:srgbClr val="92D050"/>
+            <a:schemeClr val="accent4">
+              <a:lumMod val="20000"/>
+              <a:lumOff val="80000"/>
+            </a:schemeClr>
           </a:solidFill>
           <a:ln w="19050">
-            <a:solidFill>
-              <a:srgbClr val="00B050"/>
-            </a:solidFill>
+            <a:noFill/>
           </a:ln>
           <a:effectLst/>
         </p:spPr>
@@ -5891,6 +5885,84 @@
           </a:fontRef>
         </p:style>
         <p:txBody>
+          <a:bodyPr rtlCol="0" anchor="t"/>
+          <a:lstStyle/>
+          <a:p>
+            <a:endParaRPr lang="en-US" sz="1200" b="1" dirty="0">
+              <a:solidFill>
+                <a:srgbClr val="7030A0"/>
+              </a:solidFill>
+            </a:endParaRPr>
+          </a:p>
+          <a:p>
+            <a:endParaRPr lang="en-US" sz="1200" b="1" dirty="0">
+              <a:solidFill>
+                <a:srgbClr val="7030A0"/>
+              </a:solidFill>
+            </a:endParaRPr>
+          </a:p>
+          <a:p>
+            <a:r>
+              <a:rPr lang="en-US" sz="1200" b="1" dirty="0">
+                <a:solidFill>
+                  <a:srgbClr val="7030A0"/>
+                </a:solidFill>
+              </a:rPr>
+              <a:t>Model</a:t>
+            </a:r>
+            <a:endParaRPr lang="en-SG" sz="1200" b="1" dirty="0">
+              <a:solidFill>
+                <a:srgbClr val="7030A0"/>
+              </a:solidFill>
+            </a:endParaRPr>
+          </a:p>
+        </p:txBody>
+      </p:sp>
+      <p:sp>
+        <p:nvSpPr>
+          <p:cNvPr id="54" name="Rectangle 62">
+            <a:extLst>
+              <a:ext uri="{FF2B5EF4-FFF2-40B4-BE49-F238E27FC236}">
+                <a16:creationId xmlns:a16="http://schemas.microsoft.com/office/drawing/2014/main" id="{06A79A81-15B8-4D3A-9825-BEFCA077AF2A}"/>
+              </a:ext>
+            </a:extLst>
+          </p:cNvPr>
+          <p:cNvSpPr/>
+          <p:nvPr/>
+        </p:nvSpPr>
+        <p:spPr>
+          <a:xfrm>
+            <a:off x="10763373" y="2290620"/>
+            <a:ext cx="841636" cy="300180"/>
+          </a:xfrm>
+          <a:prstGeom prst="rect">
+            <a:avLst/>
+          </a:prstGeom>
+          <a:solidFill>
+            <a:srgbClr val="7030A0"/>
+          </a:solidFill>
+          <a:ln w="19050">
+            <a:solidFill>
+              <a:srgbClr val="7030A0"/>
+            </a:solidFill>
+          </a:ln>
+          <a:effectLst/>
+        </p:spPr>
+        <p:style>
+          <a:lnRef idx="1">
+            <a:schemeClr val="accent2"/>
+          </a:lnRef>
+          <a:fillRef idx="2">
+            <a:schemeClr val="accent2"/>
+          </a:fillRef>
+          <a:effectRef idx="1">
+            <a:schemeClr val="accent2"/>
+          </a:effectRef>
+          <a:fontRef idx="minor">
+            <a:schemeClr val="dk1"/>
+          </a:fontRef>
+        </p:style>
+        <p:txBody>
           <a:bodyPr rtlCol="0" anchor="ctr"/>
           <a:lstStyle/>
           <a:p>
@@ -5901,7 +5973,7 @@
                   <a:schemeClr val="bg1"/>
                 </a:solidFill>
               </a:rPr>
-              <a:t>: View</a:t>
+              <a:t>: Model</a:t>
             </a:r>
             <a:endParaRPr lang="en-SG" sz="1600" dirty="0">
               <a:solidFill>
@@ -5911,12 +5983,97 @@
           </a:p>
         </p:txBody>
       </p:sp>
+      <p:sp>
+        <p:nvSpPr>
+          <p:cNvPr id="79" name="TextBox 78"/>
+          <p:cNvSpPr txBox="1"/>
+          <p:nvPr/>
+        </p:nvSpPr>
+        <p:spPr>
+          <a:xfrm>
+            <a:off x="-5161899" y="5758934"/>
+            <a:ext cx="1860852" cy="184666"/>
+          </a:xfrm>
+          <a:prstGeom prst="rect">
+            <a:avLst/>
+          </a:prstGeom>
+          <a:noFill/>
+          <a:ln>
+            <a:noFill/>
+          </a:ln>
+        </p:spPr>
+        <p:txBody>
+          <a:bodyPr wrap="square" lIns="0" tIns="0" rIns="0" bIns="0" rtlCol="0">
+            <a:spAutoFit/>
+          </a:bodyPr>
+          <a:lstStyle>
+            <a:defPPr>
+              <a:defRPr lang="en-US"/>
+            </a:defPPr>
+            <a:lvl1pPr algn="r">
+              <a:defRPr sz="1400">
+                <a:solidFill>
+                  <a:srgbClr val="0070C0"/>
+                </a:solidFill>
+              </a:defRPr>
+            </a:lvl1pPr>
+          </a:lstStyle>
+          <a:p>
+            <a:r>
+              <a:rPr lang="en-US" sz="1200" dirty="0">
+                <a:solidFill>
+                  <a:srgbClr val="00B050"/>
+                </a:solidFill>
+              </a:rPr>
+              <a:t>Display Summary Window</a:t>
+            </a:r>
+          </a:p>
+        </p:txBody>
+      </p:sp>
       <p:cxnSp>
         <p:nvCxnSpPr>
-          <p:cNvPr id="68" name="Straight Arrow Connector 67">
+          <p:cNvPr id="50" name="Straight Arrow Connector 49"/>
+          <p:cNvCxnSpPr>
+            <a:cxnSpLocks/>
+          </p:cNvCxnSpPr>
+          <p:nvPr/>
+        </p:nvCxnSpPr>
+        <p:spPr>
+          <a:xfrm>
+            <a:off x="-1611315" y="5029200"/>
+            <a:ext cx="14131724" cy="0"/>
+          </a:xfrm>
+          <a:prstGeom prst="straightConnector1">
+            <a:avLst/>
+          </a:prstGeom>
+          <a:ln w="19050">
+            <a:solidFill>
+              <a:srgbClr val="0070C0"/>
+            </a:solidFill>
+            <a:tailEnd type="arrow"/>
+          </a:ln>
+        </p:spPr>
+        <p:style>
+          <a:lnRef idx="1">
+            <a:schemeClr val="accent1"/>
+          </a:lnRef>
+          <a:fillRef idx="0">
+            <a:schemeClr val="accent1"/>
+          </a:fillRef>
+          <a:effectRef idx="0">
+            <a:schemeClr val="accent1"/>
+          </a:effectRef>
+          <a:fontRef idx="minor">
+            <a:schemeClr val="tx1"/>
+          </a:fontRef>
+        </p:style>
+      </p:cxnSp>
+      <p:cxnSp>
+        <p:nvCxnSpPr>
+          <p:cNvPr id="97" name="Straight Arrow Connector 96">
             <a:extLst>
               <a:ext uri="{FF2B5EF4-FFF2-40B4-BE49-F238E27FC236}">
-                <a16:creationId xmlns:a16="http://schemas.microsoft.com/office/drawing/2014/main" id="{ECA895FA-120C-499B-A577-DF3981B3D37A}"/>
+                <a16:creationId xmlns:a16="http://schemas.microsoft.com/office/drawing/2014/main" id="{56F976FF-43C7-4DB2-B152-20F62C75F8FD}"/>
               </a:ext>
             </a:extLst>
           </p:cNvPr>
@@ -5926,9 +6083,9 @@
           <p:nvPr/>
         </p:nvCxnSpPr>
         <p:spPr>
-          <a:xfrm flipV="1">
-            <a:off x="4395454" y="3526659"/>
-            <a:ext cx="2698130" cy="9706"/>
+          <a:xfrm>
+            <a:off x="-7509717" y="5095295"/>
+            <a:ext cx="19996458" cy="122155"/>
           </a:xfrm>
           <a:prstGeom prst="straightConnector1">
             <a:avLst/>
@@ -5957,12 +6114,418 @@
           </a:fontRef>
         </p:style>
       </p:cxnSp>
+      <p:sp>
+        <p:nvSpPr>
+          <p:cNvPr id="70" name="Rectangle 62">
+            <a:extLst>
+              <a:ext uri="{FF2B5EF4-FFF2-40B4-BE49-F238E27FC236}">
+                <a16:creationId xmlns:a16="http://schemas.microsoft.com/office/drawing/2014/main" id="{7BE76B5A-0003-4A5A-A0DF-4343080C33B2}"/>
+              </a:ext>
+            </a:extLst>
+          </p:cNvPr>
+          <p:cNvSpPr/>
+          <p:nvPr/>
+        </p:nvSpPr>
+        <p:spPr>
+          <a:xfrm>
+            <a:off x="371209" y="3452533"/>
+            <a:ext cx="1617116" cy="536672"/>
+          </a:xfrm>
+          <a:prstGeom prst="rect">
+            <a:avLst/>
+          </a:prstGeom>
+          <a:solidFill>
+            <a:srgbClr val="0070C0"/>
+          </a:solidFill>
+          <a:ln w="19050">
+            <a:solidFill>
+              <a:srgbClr val="0070C0"/>
+            </a:solidFill>
+          </a:ln>
+          <a:effectLst/>
+        </p:spPr>
+        <p:style>
+          <a:lnRef idx="1">
+            <a:schemeClr val="accent2"/>
+          </a:lnRef>
+          <a:fillRef idx="2">
+            <a:schemeClr val="accent2"/>
+          </a:fillRef>
+          <a:effectRef idx="1">
+            <a:schemeClr val="accent2"/>
+          </a:effectRef>
+          <a:fontRef idx="minor">
+            <a:schemeClr val="dk1"/>
+          </a:fontRef>
+        </p:style>
+        <p:txBody>
+          <a:bodyPr rtlCol="0" anchor="ctr"/>
+          <a:lstStyle/>
+          <a:p>
+            <a:pPr algn="ctr"/>
+            <a:r>
+              <a:rPr lang="en-US" sz="1600" dirty="0">
+                <a:solidFill>
+                  <a:schemeClr val="bg1"/>
+                </a:solidFill>
+              </a:rPr>
+              <a:t>:</a:t>
+            </a:r>
+            <a:r>
+              <a:rPr lang="en-US" sz="1600" dirty="0" err="1">
+                <a:solidFill>
+                  <a:schemeClr val="bg1"/>
+                </a:solidFill>
+              </a:rPr>
+              <a:t>TopTwentyFivePercent</a:t>
+            </a:r>
+            <a:endParaRPr lang="en-SG" sz="1600" dirty="0">
+              <a:solidFill>
+                <a:schemeClr val="bg1"/>
+              </a:solidFill>
+            </a:endParaRPr>
+          </a:p>
+        </p:txBody>
+      </p:sp>
+      <p:sp>
+        <p:nvSpPr>
+          <p:cNvPr id="71" name="Rectangle 62">
+            <a:extLst>
+              <a:ext uri="{FF2B5EF4-FFF2-40B4-BE49-F238E27FC236}">
+                <a16:creationId xmlns:a16="http://schemas.microsoft.com/office/drawing/2014/main" id="{499216E4-A3D7-493B-B333-E3A68CE0C141}"/>
+              </a:ext>
+            </a:extLst>
+          </p:cNvPr>
+          <p:cNvSpPr/>
+          <p:nvPr/>
+        </p:nvSpPr>
+        <p:spPr>
+          <a:xfrm>
+            <a:off x="2296216" y="3452533"/>
+            <a:ext cx="1617116" cy="536672"/>
+          </a:xfrm>
+          <a:prstGeom prst="rect">
+            <a:avLst/>
+          </a:prstGeom>
+          <a:solidFill>
+            <a:srgbClr val="0070C0"/>
+          </a:solidFill>
+          <a:ln w="19050">
+            <a:solidFill>
+              <a:srgbClr val="0070C0"/>
+            </a:solidFill>
+          </a:ln>
+          <a:effectLst/>
+        </p:spPr>
+        <p:style>
+          <a:lnRef idx="1">
+            <a:schemeClr val="accent2"/>
+          </a:lnRef>
+          <a:fillRef idx="2">
+            <a:schemeClr val="accent2"/>
+          </a:fillRef>
+          <a:effectRef idx="1">
+            <a:schemeClr val="accent2"/>
+          </a:effectRef>
+          <a:fontRef idx="minor">
+            <a:schemeClr val="dk1"/>
+          </a:fontRef>
+        </p:style>
+        <p:txBody>
+          <a:bodyPr rtlCol="0" anchor="ctr"/>
+          <a:lstStyle/>
+          <a:p>
+            <a:pPr algn="ctr"/>
+            <a:r>
+              <a:rPr lang="en-US" sz="1600" dirty="0">
+                <a:solidFill>
+                  <a:schemeClr val="bg1"/>
+                </a:solidFill>
+              </a:rPr>
+              <a:t>:</a:t>
+            </a:r>
+            <a:r>
+              <a:rPr lang="en-US" sz="1600" dirty="0" err="1">
+                <a:solidFill>
+                  <a:schemeClr val="bg1"/>
+                </a:solidFill>
+              </a:rPr>
+              <a:t>LastTwentyFivePercent</a:t>
+            </a:r>
+            <a:endParaRPr lang="en-SG" sz="1600" dirty="0">
+              <a:solidFill>
+                <a:schemeClr val="bg1"/>
+              </a:solidFill>
+            </a:endParaRPr>
+          </a:p>
+        </p:txBody>
+      </p:sp>
+      <p:sp>
+        <p:nvSpPr>
+          <p:cNvPr id="72" name="Rectangle 62">
+            <a:extLst>
+              <a:ext uri="{FF2B5EF4-FFF2-40B4-BE49-F238E27FC236}">
+                <a16:creationId xmlns:a16="http://schemas.microsoft.com/office/drawing/2014/main" id="{C970EA89-66DF-4647-B0BD-EC1A0D98B713}"/>
+              </a:ext>
+            </a:extLst>
+          </p:cNvPr>
+          <p:cNvSpPr/>
+          <p:nvPr/>
+        </p:nvSpPr>
+        <p:spPr>
+          <a:xfrm>
+            <a:off x="4197495" y="3583539"/>
+            <a:ext cx="995638" cy="295561"/>
+          </a:xfrm>
+          <a:prstGeom prst="rect">
+            <a:avLst/>
+          </a:prstGeom>
+          <a:solidFill>
+            <a:srgbClr val="0070C0"/>
+          </a:solidFill>
+          <a:ln w="19050">
+            <a:solidFill>
+              <a:srgbClr val="0070C0"/>
+            </a:solidFill>
+          </a:ln>
+          <a:effectLst/>
+        </p:spPr>
+        <p:style>
+          <a:lnRef idx="1">
+            <a:schemeClr val="accent2"/>
+          </a:lnRef>
+          <a:fillRef idx="2">
+            <a:schemeClr val="accent2"/>
+          </a:fillRef>
+          <a:effectRef idx="1">
+            <a:schemeClr val="accent2"/>
+          </a:effectRef>
+          <a:fontRef idx="minor">
+            <a:schemeClr val="dk1"/>
+          </a:fontRef>
+        </p:style>
+        <p:txBody>
+          <a:bodyPr rtlCol="0" anchor="ctr"/>
+          <a:lstStyle/>
+          <a:p>
+            <a:pPr algn="ctr"/>
+            <a:r>
+              <a:rPr lang="en-US" sz="1600" dirty="0">
+                <a:solidFill>
+                  <a:schemeClr val="bg1"/>
+                </a:solidFill>
+              </a:rPr>
+              <a:t>:Highest</a:t>
+            </a:r>
+            <a:endParaRPr lang="en-SG" sz="1600" dirty="0">
+              <a:solidFill>
+                <a:schemeClr val="bg1"/>
+              </a:solidFill>
+            </a:endParaRPr>
+          </a:p>
+        </p:txBody>
+      </p:sp>
+      <p:sp>
+        <p:nvSpPr>
+          <p:cNvPr id="73" name="Rectangle 62">
+            <a:extLst>
+              <a:ext uri="{FF2B5EF4-FFF2-40B4-BE49-F238E27FC236}">
+                <a16:creationId xmlns:a16="http://schemas.microsoft.com/office/drawing/2014/main" id="{7751A147-B8EA-450D-A559-8FA3E7E91776}"/>
+              </a:ext>
+            </a:extLst>
+          </p:cNvPr>
+          <p:cNvSpPr/>
+          <p:nvPr/>
+        </p:nvSpPr>
+        <p:spPr>
+          <a:xfrm>
+            <a:off x="5897770" y="3558145"/>
+            <a:ext cx="846864" cy="325448"/>
+          </a:xfrm>
+          <a:prstGeom prst="rect">
+            <a:avLst/>
+          </a:prstGeom>
+          <a:solidFill>
+            <a:srgbClr val="0070C0"/>
+          </a:solidFill>
+          <a:ln w="19050">
+            <a:solidFill>
+              <a:srgbClr val="0070C0"/>
+            </a:solidFill>
+          </a:ln>
+          <a:effectLst/>
+        </p:spPr>
+        <p:style>
+          <a:lnRef idx="1">
+            <a:schemeClr val="accent2"/>
+          </a:lnRef>
+          <a:fillRef idx="2">
+            <a:schemeClr val="accent2"/>
+          </a:fillRef>
+          <a:effectRef idx="1">
+            <a:schemeClr val="accent2"/>
+          </a:effectRef>
+          <a:fontRef idx="minor">
+            <a:schemeClr val="dk1"/>
+          </a:fontRef>
+        </p:style>
+        <p:txBody>
+          <a:bodyPr rtlCol="0" anchor="ctr"/>
+          <a:lstStyle/>
+          <a:p>
+            <a:pPr algn="ctr"/>
+            <a:r>
+              <a:rPr lang="en-US" sz="1600" dirty="0">
+                <a:solidFill>
+                  <a:schemeClr val="bg1"/>
+                </a:solidFill>
+              </a:rPr>
+              <a:t>:Lowest</a:t>
+            </a:r>
+            <a:endParaRPr lang="en-SG" sz="1600" dirty="0">
+              <a:solidFill>
+                <a:schemeClr val="bg1"/>
+              </a:solidFill>
+            </a:endParaRPr>
+          </a:p>
+        </p:txBody>
+      </p:sp>
+      <p:sp>
+        <p:nvSpPr>
+          <p:cNvPr id="74" name="Rectangle 62">
+            <a:extLst>
+              <a:ext uri="{FF2B5EF4-FFF2-40B4-BE49-F238E27FC236}">
+                <a16:creationId xmlns:a16="http://schemas.microsoft.com/office/drawing/2014/main" id="{3F6B57B6-A8DE-47B5-A9BD-7C7B542076B5}"/>
+              </a:ext>
+            </a:extLst>
+          </p:cNvPr>
+          <p:cNvSpPr/>
+          <p:nvPr/>
+        </p:nvSpPr>
+        <p:spPr>
+          <a:xfrm>
+            <a:off x="7601874" y="3599944"/>
+            <a:ext cx="771394" cy="299096"/>
+          </a:xfrm>
+          <a:prstGeom prst="rect">
+            <a:avLst/>
+          </a:prstGeom>
+          <a:solidFill>
+            <a:srgbClr val="0070C0"/>
+          </a:solidFill>
+          <a:ln w="19050">
+            <a:solidFill>
+              <a:srgbClr val="0070C0"/>
+            </a:solidFill>
+          </a:ln>
+          <a:effectLst/>
+        </p:spPr>
+        <p:style>
+          <a:lnRef idx="1">
+            <a:schemeClr val="accent2"/>
+          </a:lnRef>
+          <a:fillRef idx="2">
+            <a:schemeClr val="accent2"/>
+          </a:fillRef>
+          <a:effectRef idx="1">
+            <a:schemeClr val="accent2"/>
+          </a:effectRef>
+          <a:fontRef idx="minor">
+            <a:schemeClr val="dk1"/>
+          </a:fontRef>
+        </p:style>
+        <p:txBody>
+          <a:bodyPr rtlCol="0" anchor="ctr"/>
+          <a:lstStyle/>
+          <a:p>
+            <a:pPr algn="ctr"/>
+            <a:r>
+              <a:rPr lang="en-US" sz="1600" dirty="0">
+                <a:solidFill>
+                  <a:schemeClr val="bg1"/>
+                </a:solidFill>
+              </a:rPr>
+              <a:t>:Mean</a:t>
+            </a:r>
+            <a:endParaRPr lang="en-SG" sz="1600" dirty="0">
+              <a:solidFill>
+                <a:schemeClr val="bg1"/>
+              </a:solidFill>
+            </a:endParaRPr>
+          </a:p>
+        </p:txBody>
+      </p:sp>
+      <p:sp>
+        <p:nvSpPr>
+          <p:cNvPr id="75" name="Rectangle 62">
+            <a:extLst>
+              <a:ext uri="{FF2B5EF4-FFF2-40B4-BE49-F238E27FC236}">
+                <a16:creationId xmlns:a16="http://schemas.microsoft.com/office/drawing/2014/main" id="{D642C45A-7348-40CC-8415-DFF9DBC765D9}"/>
+              </a:ext>
+            </a:extLst>
+          </p:cNvPr>
+          <p:cNvSpPr/>
+          <p:nvPr/>
+        </p:nvSpPr>
+        <p:spPr>
+          <a:xfrm>
+            <a:off x="9324591" y="3624897"/>
+            <a:ext cx="908169" cy="299097"/>
+          </a:xfrm>
+          <a:prstGeom prst="rect">
+            <a:avLst/>
+          </a:prstGeom>
+          <a:solidFill>
+            <a:srgbClr val="0070C0"/>
+          </a:solidFill>
+          <a:ln w="19050">
+            <a:solidFill>
+              <a:srgbClr val="0070C0"/>
+            </a:solidFill>
+          </a:ln>
+          <a:effectLst/>
+        </p:spPr>
+        <p:style>
+          <a:lnRef idx="1">
+            <a:schemeClr val="accent2"/>
+          </a:lnRef>
+          <a:fillRef idx="2">
+            <a:schemeClr val="accent2"/>
+          </a:fillRef>
+          <a:effectRef idx="1">
+            <a:schemeClr val="accent2"/>
+          </a:effectRef>
+          <a:fontRef idx="minor">
+            <a:schemeClr val="dk1"/>
+          </a:fontRef>
+        </p:style>
+        <p:txBody>
+          <a:bodyPr rtlCol="0" anchor="ctr"/>
+          <a:lstStyle/>
+          <a:p>
+            <a:pPr algn="ctr"/>
+            <a:r>
+              <a:rPr lang="en-US" sz="1600" dirty="0">
+                <a:solidFill>
+                  <a:schemeClr val="bg1"/>
+                </a:solidFill>
+              </a:rPr>
+              <a:t>:Median</a:t>
+            </a:r>
+            <a:endParaRPr lang="en-SG" sz="1600" dirty="0">
+              <a:solidFill>
+                <a:schemeClr val="bg1"/>
+              </a:solidFill>
+            </a:endParaRPr>
+          </a:p>
+        </p:txBody>
+      </p:sp>
       <p:cxnSp>
         <p:nvCxnSpPr>
-          <p:cNvPr id="71" name="Straight Connector 70">
+          <p:cNvPr id="76" name="Straight Connector 75">
             <a:extLst>
               <a:ext uri="{FF2B5EF4-FFF2-40B4-BE49-F238E27FC236}">
-                <a16:creationId xmlns:a16="http://schemas.microsoft.com/office/drawing/2014/main" id="{0782CCD7-C949-4CDA-9591-4AE4B676867F}"/>
+                <a16:creationId xmlns:a16="http://schemas.microsoft.com/office/drawing/2014/main" id="{3B091E69-0B65-47D1-9970-CBAC5FDF88E2}"/>
               </a:ext>
             </a:extLst>
           </p:cNvPr>
@@ -5973,15 +6536,15 @@
         </p:nvCxnSpPr>
         <p:spPr>
           <a:xfrm>
-            <a:off x="7148657" y="2819437"/>
-            <a:ext cx="24094" cy="716928"/>
+            <a:off x="1204892" y="3935127"/>
+            <a:ext cx="4661" cy="967072"/>
           </a:xfrm>
           <a:prstGeom prst="line">
             <a:avLst/>
           </a:prstGeom>
           <a:ln w="19050">
             <a:solidFill>
-              <a:srgbClr val="00B050"/>
+              <a:srgbClr val="0070C0"/>
             </a:solidFill>
             <a:prstDash val="sysDash"/>
           </a:ln>
@@ -6002,12 +6565,533 @@
           </a:fontRef>
         </p:style>
       </p:cxnSp>
-      <p:sp>
-        <p:nvSpPr>
-          <p:cNvPr id="61" name="Rectangle 60">
+      <p:cxnSp>
+        <p:nvCxnSpPr>
+          <p:cNvPr id="77" name="Straight Connector 76">
             <a:extLst>
               <a:ext uri="{FF2B5EF4-FFF2-40B4-BE49-F238E27FC236}">
-                <a16:creationId xmlns:a16="http://schemas.microsoft.com/office/drawing/2014/main" id="{88174CEB-249B-4136-A5AA-8FEB43CCC67C}"/>
+                <a16:creationId xmlns:a16="http://schemas.microsoft.com/office/drawing/2014/main" id="{53DC7D37-AB27-41D8-A710-4307F08DBA04}"/>
+              </a:ext>
+            </a:extLst>
+          </p:cNvPr>
+          <p:cNvCxnSpPr>
+            <a:cxnSpLocks/>
+          </p:cNvCxnSpPr>
+          <p:nvPr/>
+        </p:nvCxnSpPr>
+        <p:spPr>
+          <a:xfrm>
+            <a:off x="2925860" y="3948106"/>
+            <a:ext cx="10522" cy="2064178"/>
+          </a:xfrm>
+          <a:prstGeom prst="line">
+            <a:avLst/>
+          </a:prstGeom>
+          <a:ln w="19050">
+            <a:solidFill>
+              <a:srgbClr val="0070C0"/>
+            </a:solidFill>
+            <a:prstDash val="sysDash"/>
+          </a:ln>
+          <a:effectLst/>
+        </p:spPr>
+        <p:style>
+          <a:lnRef idx="1">
+            <a:schemeClr val="accent1"/>
+          </a:lnRef>
+          <a:fillRef idx="2">
+            <a:schemeClr val="accent1"/>
+          </a:fillRef>
+          <a:effectRef idx="1">
+            <a:schemeClr val="accent1"/>
+          </a:effectRef>
+          <a:fontRef idx="minor">
+            <a:schemeClr val="dk1"/>
+          </a:fontRef>
+        </p:style>
+      </p:cxnSp>
+      <p:cxnSp>
+        <p:nvCxnSpPr>
+          <p:cNvPr id="78" name="Straight Connector 77">
+            <a:extLst>
+              <a:ext uri="{FF2B5EF4-FFF2-40B4-BE49-F238E27FC236}">
+                <a16:creationId xmlns:a16="http://schemas.microsoft.com/office/drawing/2014/main" id="{6A027948-BFCC-40F9-B8AE-EA61F7B907A7}"/>
+              </a:ext>
+            </a:extLst>
+          </p:cNvPr>
+          <p:cNvCxnSpPr>
+            <a:cxnSpLocks/>
+          </p:cNvCxnSpPr>
+          <p:nvPr/>
+        </p:nvCxnSpPr>
+        <p:spPr>
+          <a:xfrm>
+            <a:off x="4707357" y="3899040"/>
+            <a:ext cx="35503" cy="3241079"/>
+          </a:xfrm>
+          <a:prstGeom prst="line">
+            <a:avLst/>
+          </a:prstGeom>
+          <a:ln w="19050">
+            <a:solidFill>
+              <a:srgbClr val="0070C0"/>
+            </a:solidFill>
+            <a:prstDash val="sysDash"/>
+          </a:ln>
+          <a:effectLst/>
+        </p:spPr>
+        <p:style>
+          <a:lnRef idx="1">
+            <a:schemeClr val="accent1"/>
+          </a:lnRef>
+          <a:fillRef idx="2">
+            <a:schemeClr val="accent1"/>
+          </a:fillRef>
+          <a:effectRef idx="1">
+            <a:schemeClr val="accent1"/>
+          </a:effectRef>
+          <a:fontRef idx="minor">
+            <a:schemeClr val="dk1"/>
+          </a:fontRef>
+        </p:style>
+      </p:cxnSp>
+      <p:cxnSp>
+        <p:nvCxnSpPr>
+          <p:cNvPr id="84" name="Straight Connector 83">
+            <a:extLst>
+              <a:ext uri="{FF2B5EF4-FFF2-40B4-BE49-F238E27FC236}">
+                <a16:creationId xmlns:a16="http://schemas.microsoft.com/office/drawing/2014/main" id="{E147C4FB-6B57-4A48-9A86-30F9A972126B}"/>
+              </a:ext>
+            </a:extLst>
+          </p:cNvPr>
+          <p:cNvCxnSpPr>
+            <a:cxnSpLocks/>
+          </p:cNvCxnSpPr>
+          <p:nvPr/>
+        </p:nvCxnSpPr>
+        <p:spPr>
+          <a:xfrm>
+            <a:off x="6295405" y="3899040"/>
+            <a:ext cx="19083" cy="3968351"/>
+          </a:xfrm>
+          <a:prstGeom prst="line">
+            <a:avLst/>
+          </a:prstGeom>
+          <a:ln w="19050">
+            <a:solidFill>
+              <a:srgbClr val="0070C0"/>
+            </a:solidFill>
+            <a:prstDash val="sysDash"/>
+          </a:ln>
+          <a:effectLst/>
+        </p:spPr>
+        <p:style>
+          <a:lnRef idx="1">
+            <a:schemeClr val="accent1"/>
+          </a:lnRef>
+          <a:fillRef idx="2">
+            <a:schemeClr val="accent1"/>
+          </a:fillRef>
+          <a:effectRef idx="1">
+            <a:schemeClr val="accent1"/>
+          </a:effectRef>
+          <a:fontRef idx="minor">
+            <a:schemeClr val="dk1"/>
+          </a:fontRef>
+        </p:style>
+      </p:cxnSp>
+      <p:cxnSp>
+        <p:nvCxnSpPr>
+          <p:cNvPr id="89" name="Straight Connector 88">
+            <a:extLst>
+              <a:ext uri="{FF2B5EF4-FFF2-40B4-BE49-F238E27FC236}">
+                <a16:creationId xmlns:a16="http://schemas.microsoft.com/office/drawing/2014/main" id="{7E6CD56F-B70A-4E3D-812F-570EAE6F8214}"/>
+              </a:ext>
+            </a:extLst>
+          </p:cNvPr>
+          <p:cNvCxnSpPr>
+            <a:cxnSpLocks/>
+          </p:cNvCxnSpPr>
+          <p:nvPr/>
+        </p:nvCxnSpPr>
+        <p:spPr>
+          <a:xfrm>
+            <a:off x="8007497" y="3917463"/>
+            <a:ext cx="34106" cy="4578591"/>
+          </a:xfrm>
+          <a:prstGeom prst="line">
+            <a:avLst/>
+          </a:prstGeom>
+          <a:ln w="19050">
+            <a:solidFill>
+              <a:srgbClr val="0070C0"/>
+            </a:solidFill>
+            <a:prstDash val="sysDash"/>
+          </a:ln>
+          <a:effectLst/>
+        </p:spPr>
+        <p:style>
+          <a:lnRef idx="1">
+            <a:schemeClr val="accent1"/>
+          </a:lnRef>
+          <a:fillRef idx="2">
+            <a:schemeClr val="accent1"/>
+          </a:fillRef>
+          <a:effectRef idx="1">
+            <a:schemeClr val="accent1"/>
+          </a:effectRef>
+          <a:fontRef idx="minor">
+            <a:schemeClr val="dk1"/>
+          </a:fontRef>
+        </p:style>
+      </p:cxnSp>
+      <p:cxnSp>
+        <p:nvCxnSpPr>
+          <p:cNvPr id="94" name="Straight Connector 93">
+            <a:extLst>
+              <a:ext uri="{FF2B5EF4-FFF2-40B4-BE49-F238E27FC236}">
+                <a16:creationId xmlns:a16="http://schemas.microsoft.com/office/drawing/2014/main" id="{2770DDF4-D499-43FD-951C-A70852BF87A3}"/>
+              </a:ext>
+            </a:extLst>
+          </p:cNvPr>
+          <p:cNvCxnSpPr>
+            <a:cxnSpLocks/>
+          </p:cNvCxnSpPr>
+          <p:nvPr/>
+        </p:nvCxnSpPr>
+        <p:spPr>
+          <a:xfrm>
+            <a:off x="9788769" y="3923994"/>
+            <a:ext cx="41664" cy="5383739"/>
+          </a:xfrm>
+          <a:prstGeom prst="line">
+            <a:avLst/>
+          </a:prstGeom>
+          <a:ln w="19050">
+            <a:solidFill>
+              <a:srgbClr val="0070C0"/>
+            </a:solidFill>
+            <a:prstDash val="sysDash"/>
+          </a:ln>
+          <a:effectLst/>
+        </p:spPr>
+        <p:style>
+          <a:lnRef idx="1">
+            <a:schemeClr val="accent1"/>
+          </a:lnRef>
+          <a:fillRef idx="2">
+            <a:schemeClr val="accent1"/>
+          </a:fillRef>
+          <a:effectRef idx="1">
+            <a:schemeClr val="accent1"/>
+          </a:effectRef>
+          <a:fontRef idx="minor">
+            <a:schemeClr val="dk1"/>
+          </a:fontRef>
+        </p:style>
+      </p:cxnSp>
+      <p:sp>
+        <p:nvSpPr>
+          <p:cNvPr id="96" name="TextBox 95">
+            <a:extLst>
+              <a:ext uri="{FF2B5EF4-FFF2-40B4-BE49-F238E27FC236}">
+                <a16:creationId xmlns:a16="http://schemas.microsoft.com/office/drawing/2014/main" id="{D27AA677-50BF-4809-AE3D-550DD473484B}"/>
+              </a:ext>
+            </a:extLst>
+          </p:cNvPr>
+          <p:cNvSpPr txBox="1"/>
+          <p:nvPr/>
+        </p:nvSpPr>
+        <p:spPr>
+          <a:xfrm>
+            <a:off x="-8049834" y="1052435"/>
+            <a:ext cx="1497478" cy="738664"/>
+          </a:xfrm>
+          <a:prstGeom prst="rect">
+            <a:avLst/>
+          </a:prstGeom>
+          <a:noFill/>
+        </p:spPr>
+        <p:txBody>
+          <a:bodyPr wrap="square" lIns="0" tIns="0" rIns="0" bIns="0" rtlCol="0">
+            <a:spAutoFit/>
+          </a:bodyPr>
+          <a:lstStyle/>
+          <a:p>
+            <a:pPr algn="ctr"/>
+            <a:r>
+              <a:rPr lang="en-US" sz="1200" dirty="0">
+                <a:solidFill>
+                  <a:srgbClr val="0070C0"/>
+                </a:solidFill>
+              </a:rPr>
+              <a:t>{</a:t>
+            </a:r>
+            <a:r>
+              <a:rPr lang="en-US" sz="1200" dirty="0" err="1">
+                <a:solidFill>
+                  <a:srgbClr val="0070C0"/>
+                </a:solidFill>
+              </a:rPr>
+              <a:t>commandType</a:t>
+            </a:r>
+            <a:r>
+              <a:rPr lang="en-US" sz="1200" dirty="0">
+                <a:solidFill>
+                  <a:srgbClr val="0070C0"/>
+                </a:solidFill>
+              </a:rPr>
+              <a:t>} : LTF, TTF,</a:t>
+            </a:r>
+          </a:p>
+          <a:p>
+            <a:pPr algn="ctr"/>
+            <a:r>
+              <a:rPr lang="en-US" sz="1200" dirty="0">
+                <a:solidFill>
+                  <a:srgbClr val="0070C0"/>
+                </a:solidFill>
+              </a:rPr>
+              <a:t>Highest, lowest, mean, median</a:t>
+            </a:r>
+          </a:p>
+        </p:txBody>
+      </p:sp>
+      <p:cxnSp>
+        <p:nvCxnSpPr>
+          <p:cNvPr id="99" name="Straight Arrow Connector 98">
+            <a:extLst>
+              <a:ext uri="{FF2B5EF4-FFF2-40B4-BE49-F238E27FC236}">
+                <a16:creationId xmlns:a16="http://schemas.microsoft.com/office/drawing/2014/main" id="{2AFA203A-541D-46F4-8E66-183EAB3F61B2}"/>
+              </a:ext>
+            </a:extLst>
+          </p:cNvPr>
+          <p:cNvCxnSpPr>
+            <a:cxnSpLocks/>
+          </p:cNvCxnSpPr>
+          <p:nvPr/>
+        </p:nvCxnSpPr>
+        <p:spPr>
+          <a:xfrm>
+            <a:off x="-1640779" y="3048000"/>
+            <a:ext cx="12815790" cy="0"/>
+          </a:xfrm>
+          <a:prstGeom prst="straightConnector1">
+            <a:avLst/>
+          </a:prstGeom>
+          <a:ln w="19050">
+            <a:solidFill>
+              <a:srgbClr val="0070C0"/>
+            </a:solidFill>
+            <a:tailEnd type="arrow"/>
+          </a:ln>
+        </p:spPr>
+        <p:style>
+          <a:lnRef idx="1">
+            <a:schemeClr val="accent1"/>
+          </a:lnRef>
+          <a:fillRef idx="0">
+            <a:schemeClr val="accent1"/>
+          </a:fillRef>
+          <a:effectRef idx="0">
+            <a:schemeClr val="accent1"/>
+          </a:effectRef>
+          <a:fontRef idx="minor">
+            <a:schemeClr val="tx1"/>
+          </a:fontRef>
+        </p:style>
+      </p:cxnSp>
+      <p:cxnSp>
+        <p:nvCxnSpPr>
+          <p:cNvPr id="98" name="Straight Arrow Connector 97">
+            <a:extLst>
+              <a:ext uri="{FF2B5EF4-FFF2-40B4-BE49-F238E27FC236}">
+                <a16:creationId xmlns:a16="http://schemas.microsoft.com/office/drawing/2014/main" id="{98192635-B015-4228-9216-B72573FCF884}"/>
+              </a:ext>
+            </a:extLst>
+          </p:cNvPr>
+          <p:cNvCxnSpPr>
+            <a:cxnSpLocks/>
+          </p:cNvCxnSpPr>
+          <p:nvPr/>
+        </p:nvCxnSpPr>
+        <p:spPr>
+          <a:xfrm>
+            <a:off x="-1640779" y="4495800"/>
+            <a:ext cx="2845668" cy="0"/>
+          </a:xfrm>
+          <a:prstGeom prst="straightConnector1">
+            <a:avLst/>
+          </a:prstGeom>
+          <a:ln w="19050">
+            <a:solidFill>
+              <a:srgbClr val="0070C0"/>
+            </a:solidFill>
+            <a:tailEnd type="arrow"/>
+          </a:ln>
+        </p:spPr>
+        <p:style>
+          <a:lnRef idx="1">
+            <a:schemeClr val="accent1"/>
+          </a:lnRef>
+          <a:fillRef idx="0">
+            <a:schemeClr val="accent1"/>
+          </a:fillRef>
+          <a:effectRef idx="0">
+            <a:schemeClr val="accent1"/>
+          </a:effectRef>
+          <a:fontRef idx="minor">
+            <a:schemeClr val="tx1"/>
+          </a:fontRef>
+        </p:style>
+      </p:cxnSp>
+      <p:cxnSp>
+        <p:nvCxnSpPr>
+          <p:cNvPr id="100" name="Straight Arrow Connector 99">
+            <a:extLst>
+              <a:ext uri="{FF2B5EF4-FFF2-40B4-BE49-F238E27FC236}">
+                <a16:creationId xmlns:a16="http://schemas.microsoft.com/office/drawing/2014/main" id="{626312D3-A06A-498A-9142-E306E557F19E}"/>
+              </a:ext>
+            </a:extLst>
+          </p:cNvPr>
+          <p:cNvCxnSpPr>
+            <a:cxnSpLocks/>
+          </p:cNvCxnSpPr>
+          <p:nvPr/>
+        </p:nvCxnSpPr>
+        <p:spPr>
+          <a:xfrm>
+            <a:off x="-1622793" y="3311471"/>
+            <a:ext cx="12770687" cy="0"/>
+          </a:xfrm>
+          <a:prstGeom prst="straightConnector1">
+            <a:avLst/>
+          </a:prstGeom>
+          <a:ln w="19050">
+            <a:solidFill>
+              <a:srgbClr val="7030A0"/>
+            </a:solidFill>
+            <a:prstDash val="sysDash"/>
+            <a:headEnd type="arrow" w="med" len="med"/>
+            <a:tailEnd type="none" w="med" len="med"/>
+          </a:ln>
+        </p:spPr>
+        <p:style>
+          <a:lnRef idx="1">
+            <a:schemeClr val="accent1"/>
+          </a:lnRef>
+          <a:fillRef idx="0">
+            <a:schemeClr val="accent1"/>
+          </a:fillRef>
+          <a:effectRef idx="0">
+            <a:schemeClr val="accent1"/>
+          </a:effectRef>
+          <a:fontRef idx="minor">
+            <a:schemeClr val="tx1"/>
+          </a:fontRef>
+        </p:style>
+      </p:cxnSp>
+      <p:sp>
+        <p:nvSpPr>
+          <p:cNvPr id="101" name="TextBox 100">
+            <a:extLst>
+              <a:ext uri="{FF2B5EF4-FFF2-40B4-BE49-F238E27FC236}">
+                <a16:creationId xmlns:a16="http://schemas.microsoft.com/office/drawing/2014/main" id="{1441EE9F-BA47-4773-9296-3F20CA270A95}"/>
+              </a:ext>
+            </a:extLst>
+          </p:cNvPr>
+          <p:cNvSpPr txBox="1"/>
+          <p:nvPr/>
+        </p:nvSpPr>
+        <p:spPr>
+          <a:xfrm>
+            <a:off x="4197495" y="2771212"/>
+            <a:ext cx="1700275" cy="215444"/>
+          </a:xfrm>
+          <a:prstGeom prst="rect">
+            <a:avLst/>
+          </a:prstGeom>
+          <a:noFill/>
+        </p:spPr>
+        <p:txBody>
+          <a:bodyPr wrap="square" lIns="0" tIns="0" rIns="0" bIns="0" rtlCol="0">
+            <a:spAutoFit/>
+          </a:bodyPr>
+          <a:lstStyle>
+            <a:defPPr>
+              <a:defRPr lang="en-US"/>
+            </a:defPPr>
+            <a:lvl1pPr algn="r">
+              <a:defRPr sz="1400">
+                <a:solidFill>
+                  <a:srgbClr val="0070C0"/>
+                </a:solidFill>
+              </a:defRPr>
+            </a:lvl1pPr>
+          </a:lstStyle>
+          <a:p>
+            <a:r>
+              <a:rPr lang="en-US" dirty="0" err="1"/>
+              <a:t>getFilteredPersonList</a:t>
+            </a:r>
+            <a:r>
+              <a:rPr lang="en-US" dirty="0"/>
+              <a:t>()</a:t>
+            </a:r>
+          </a:p>
+        </p:txBody>
+      </p:sp>
+      <p:cxnSp>
+        <p:nvCxnSpPr>
+          <p:cNvPr id="64" name="Straight Connector 63">
+            <a:extLst>
+              <a:ext uri="{FF2B5EF4-FFF2-40B4-BE49-F238E27FC236}">
+                <a16:creationId xmlns:a16="http://schemas.microsoft.com/office/drawing/2014/main" id="{B538CC60-295E-440A-9CDC-CC1F8C823ACA}"/>
+              </a:ext>
+            </a:extLst>
+          </p:cNvPr>
+          <p:cNvCxnSpPr>
+            <a:cxnSpLocks/>
+          </p:cNvCxnSpPr>
+          <p:nvPr/>
+        </p:nvCxnSpPr>
+        <p:spPr>
+          <a:xfrm>
+            <a:off x="11186667" y="2584572"/>
+            <a:ext cx="0" cy="1040325"/>
+          </a:xfrm>
+          <a:prstGeom prst="line">
+            <a:avLst/>
+          </a:prstGeom>
+          <a:ln w="19050">
+            <a:solidFill>
+              <a:srgbClr val="7030A0"/>
+            </a:solidFill>
+            <a:prstDash val="sysDash"/>
+          </a:ln>
+          <a:effectLst/>
+        </p:spPr>
+        <p:style>
+          <a:lnRef idx="1">
+            <a:schemeClr val="accent1"/>
+          </a:lnRef>
+          <a:fillRef idx="2">
+            <a:schemeClr val="accent1"/>
+          </a:fillRef>
+          <a:effectRef idx="1">
+            <a:schemeClr val="accent1"/>
+          </a:effectRef>
+          <a:fontRef idx="minor">
+            <a:schemeClr val="dk1"/>
+          </a:fontRef>
+        </p:style>
+      </p:cxnSp>
+      <p:sp>
+        <p:nvSpPr>
+          <p:cNvPr id="63" name="Rectangle 62">
+            <a:extLst>
+              <a:ext uri="{FF2B5EF4-FFF2-40B4-BE49-F238E27FC236}">
+                <a16:creationId xmlns:a16="http://schemas.microsoft.com/office/drawing/2014/main" id="{645B6508-F705-4B95-9F2C-0DCDA2B20D86}"/>
               </a:ext>
             </a:extLst>
           </p:cNvPr>
@@ -6016,14 +7100,14 @@
         </p:nvSpPr>
         <p:spPr>
           <a:xfrm>
-            <a:off x="7075021" y="2970663"/>
-            <a:ext cx="163377" cy="565702"/>
+            <a:off x="11125821" y="2985365"/>
+            <a:ext cx="127216" cy="404918"/>
           </a:xfrm>
           <a:prstGeom prst="rect">
             <a:avLst/>
           </a:prstGeom>
           <a:solidFill>
-            <a:srgbClr val="92D050"/>
+            <a:srgbClr val="7030A0"/>
           </a:solidFill>
           <a:ln>
             <a:solidFill>
@@ -6052,6 +7136,2510 @@
           <a:p>
             <a:pPr algn="ctr"/>
             <a:endParaRPr lang="en-SG" sz="1400"/>
+          </a:p>
+        </p:txBody>
+      </p:sp>
+      <p:cxnSp>
+        <p:nvCxnSpPr>
+          <p:cNvPr id="102" name="Connector: Curved 101">
+            <a:extLst>
+              <a:ext uri="{FF2B5EF4-FFF2-40B4-BE49-F238E27FC236}">
+                <a16:creationId xmlns:a16="http://schemas.microsoft.com/office/drawing/2014/main" id="{EAD7D2A6-0696-4250-B048-2B1210A67DB0}"/>
+              </a:ext>
+            </a:extLst>
+          </p:cNvPr>
+          <p:cNvCxnSpPr>
+            <a:cxnSpLocks/>
+          </p:cNvCxnSpPr>
+          <p:nvPr/>
+        </p:nvCxnSpPr>
+        <p:spPr>
+          <a:xfrm>
+            <a:off x="1137341" y="4487875"/>
+            <a:ext cx="77219" cy="61094"/>
+          </a:xfrm>
+          <a:prstGeom prst="curvedConnector3">
+            <a:avLst>
+              <a:gd name="adj1" fmla="val 835537"/>
+            </a:avLst>
+          </a:prstGeom>
+          <a:ln>
+            <a:solidFill>
+              <a:schemeClr val="tx2">
+                <a:lumMod val="60000"/>
+                <a:lumOff val="40000"/>
+              </a:schemeClr>
+            </a:solidFill>
+            <a:tailEnd type="triangle"/>
+          </a:ln>
+        </p:spPr>
+        <p:style>
+          <a:lnRef idx="1">
+            <a:schemeClr val="accent1"/>
+          </a:lnRef>
+          <a:fillRef idx="0">
+            <a:schemeClr val="accent1"/>
+          </a:fillRef>
+          <a:effectRef idx="0">
+            <a:schemeClr val="accent1"/>
+          </a:effectRef>
+          <a:fontRef idx="minor">
+            <a:schemeClr val="tx1"/>
+          </a:fontRef>
+        </p:style>
+      </p:cxnSp>
+      <p:sp>
+        <p:nvSpPr>
+          <p:cNvPr id="103" name="TextBox 102">
+            <a:extLst>
+              <a:ext uri="{FF2B5EF4-FFF2-40B4-BE49-F238E27FC236}">
+                <a16:creationId xmlns:a16="http://schemas.microsoft.com/office/drawing/2014/main" id="{4B1DA13B-6D16-4145-BCD7-7543ADAD62BC}"/>
+              </a:ext>
+            </a:extLst>
+          </p:cNvPr>
+          <p:cNvSpPr txBox="1"/>
+          <p:nvPr/>
+        </p:nvSpPr>
+        <p:spPr>
+          <a:xfrm>
+            <a:off x="1371408" y="4065720"/>
+            <a:ext cx="1249936" cy="553998"/>
+          </a:xfrm>
+          <a:prstGeom prst="rect">
+            <a:avLst/>
+          </a:prstGeom>
+          <a:noFill/>
+        </p:spPr>
+        <p:txBody>
+          <a:bodyPr wrap="square" lIns="0" tIns="0" rIns="0" bIns="0" rtlCol="0">
+            <a:spAutoFit/>
+          </a:bodyPr>
+          <a:lstStyle>
+            <a:defPPr>
+              <a:defRPr lang="en-US"/>
+            </a:defPPr>
+            <a:lvl1pPr algn="r">
+              <a:defRPr sz="1400">
+                <a:solidFill>
+                  <a:srgbClr val="0070C0"/>
+                </a:solidFill>
+              </a:defRPr>
+            </a:lvl1pPr>
+          </a:lstStyle>
+          <a:p>
+            <a:pPr algn="ctr"/>
+            <a:r>
+              <a:rPr lang="en-US" sz="1200" dirty="0"/>
+              <a:t>Calculate &amp; sort and Return Top 25% List</a:t>
+            </a:r>
+          </a:p>
+        </p:txBody>
+      </p:sp>
+      <p:sp>
+        <p:nvSpPr>
+          <p:cNvPr id="104" name="TextBox 103">
+            <a:extLst>
+              <a:ext uri="{FF2B5EF4-FFF2-40B4-BE49-F238E27FC236}">
+                <a16:creationId xmlns:a16="http://schemas.microsoft.com/office/drawing/2014/main" id="{37A6EFA1-5C31-4DE4-93B1-62755F7F619B}"/>
+              </a:ext>
+            </a:extLst>
+          </p:cNvPr>
+          <p:cNvSpPr txBox="1"/>
+          <p:nvPr/>
+        </p:nvSpPr>
+        <p:spPr>
+          <a:xfrm>
+            <a:off x="-1024886" y="5370376"/>
+            <a:ext cx="1558286" cy="184666"/>
+          </a:xfrm>
+          <a:prstGeom prst="rect">
+            <a:avLst/>
+          </a:prstGeom>
+          <a:noFill/>
+        </p:spPr>
+        <p:txBody>
+          <a:bodyPr wrap="square" lIns="0" tIns="0" rIns="0" bIns="0" rtlCol="0">
+            <a:spAutoFit/>
+          </a:bodyPr>
+          <a:lstStyle>
+            <a:defPPr>
+              <a:defRPr lang="en-US"/>
+            </a:defPPr>
+            <a:lvl1pPr algn="r">
+              <a:defRPr sz="1400">
+                <a:solidFill>
+                  <a:srgbClr val="0070C0"/>
+                </a:solidFill>
+              </a:defRPr>
+            </a:lvl1pPr>
+          </a:lstStyle>
+          <a:p>
+            <a:pPr algn="ctr"/>
+            <a:r>
+              <a:rPr lang="en-US" sz="1200" dirty="0"/>
+              <a:t>{</a:t>
+            </a:r>
+            <a:r>
+              <a:rPr lang="en-US" sz="1200" dirty="0" err="1"/>
+              <a:t>commandType</a:t>
+            </a:r>
+            <a:r>
+              <a:rPr lang="en-US" sz="1200" dirty="0"/>
+              <a:t>} == LTF</a:t>
+            </a:r>
+          </a:p>
+        </p:txBody>
+      </p:sp>
+      <p:cxnSp>
+        <p:nvCxnSpPr>
+          <p:cNvPr id="105" name="Straight Arrow Connector 104">
+            <a:extLst>
+              <a:ext uri="{FF2B5EF4-FFF2-40B4-BE49-F238E27FC236}">
+                <a16:creationId xmlns:a16="http://schemas.microsoft.com/office/drawing/2014/main" id="{D3B3F8A1-2CEF-4823-9B83-52F06D7B6869}"/>
+              </a:ext>
+            </a:extLst>
+          </p:cNvPr>
+          <p:cNvCxnSpPr>
+            <a:cxnSpLocks/>
+          </p:cNvCxnSpPr>
+          <p:nvPr/>
+        </p:nvCxnSpPr>
+        <p:spPr>
+          <a:xfrm>
+            <a:off x="-1626468" y="5619965"/>
+            <a:ext cx="4552324" cy="0"/>
+          </a:xfrm>
+          <a:prstGeom prst="straightConnector1">
+            <a:avLst/>
+          </a:prstGeom>
+          <a:ln w="19050">
+            <a:solidFill>
+              <a:srgbClr val="0070C0"/>
+            </a:solidFill>
+            <a:tailEnd type="arrow"/>
+          </a:ln>
+        </p:spPr>
+        <p:style>
+          <a:lnRef idx="1">
+            <a:schemeClr val="accent1"/>
+          </a:lnRef>
+          <a:fillRef idx="0">
+            <a:schemeClr val="accent1"/>
+          </a:fillRef>
+          <a:effectRef idx="0">
+            <a:schemeClr val="accent1"/>
+          </a:effectRef>
+          <a:fontRef idx="minor">
+            <a:schemeClr val="tx1"/>
+          </a:fontRef>
+        </p:style>
+      </p:cxnSp>
+      <p:sp>
+        <p:nvSpPr>
+          <p:cNvPr id="106" name="TextBox 105">
+            <a:extLst>
+              <a:ext uri="{FF2B5EF4-FFF2-40B4-BE49-F238E27FC236}">
+                <a16:creationId xmlns:a16="http://schemas.microsoft.com/office/drawing/2014/main" id="{0972C2AF-FCB7-424D-B3CE-06854755EBD0}"/>
+              </a:ext>
+            </a:extLst>
+          </p:cNvPr>
+          <p:cNvSpPr txBox="1"/>
+          <p:nvPr/>
+        </p:nvSpPr>
+        <p:spPr>
+          <a:xfrm>
+            <a:off x="-1143000" y="6495791"/>
+            <a:ext cx="1972133" cy="184666"/>
+          </a:xfrm>
+          <a:prstGeom prst="rect">
+            <a:avLst/>
+          </a:prstGeom>
+          <a:noFill/>
+        </p:spPr>
+        <p:txBody>
+          <a:bodyPr wrap="square" lIns="0" tIns="0" rIns="0" bIns="0" rtlCol="0">
+            <a:spAutoFit/>
+          </a:bodyPr>
+          <a:lstStyle>
+            <a:defPPr>
+              <a:defRPr lang="en-US"/>
+            </a:defPPr>
+            <a:lvl1pPr algn="r">
+              <a:defRPr sz="1400">
+                <a:solidFill>
+                  <a:srgbClr val="0070C0"/>
+                </a:solidFill>
+              </a:defRPr>
+            </a:lvl1pPr>
+          </a:lstStyle>
+          <a:p>
+            <a:pPr algn="ctr"/>
+            <a:r>
+              <a:rPr lang="en-US" sz="1200" dirty="0"/>
+              <a:t>{</a:t>
+            </a:r>
+            <a:r>
+              <a:rPr lang="en-US" sz="1200" dirty="0" err="1"/>
+              <a:t>commandType</a:t>
+            </a:r>
+            <a:r>
+              <a:rPr lang="en-US" sz="1200" dirty="0"/>
+              <a:t>} == highest</a:t>
+            </a:r>
+          </a:p>
+        </p:txBody>
+      </p:sp>
+      <p:cxnSp>
+        <p:nvCxnSpPr>
+          <p:cNvPr id="107" name="Straight Arrow Connector 106">
+            <a:extLst>
+              <a:ext uri="{FF2B5EF4-FFF2-40B4-BE49-F238E27FC236}">
+                <a16:creationId xmlns:a16="http://schemas.microsoft.com/office/drawing/2014/main" id="{367C9795-FBE4-4C92-BA83-346619437CDD}"/>
+              </a:ext>
+            </a:extLst>
+          </p:cNvPr>
+          <p:cNvCxnSpPr>
+            <a:cxnSpLocks/>
+          </p:cNvCxnSpPr>
+          <p:nvPr/>
+        </p:nvCxnSpPr>
+        <p:spPr>
+          <a:xfrm>
+            <a:off x="-1626468" y="6756657"/>
+            <a:ext cx="6333823" cy="0"/>
+          </a:xfrm>
+          <a:prstGeom prst="straightConnector1">
+            <a:avLst/>
+          </a:prstGeom>
+          <a:ln w="19050">
+            <a:solidFill>
+              <a:srgbClr val="0070C0"/>
+            </a:solidFill>
+            <a:tailEnd type="arrow"/>
+          </a:ln>
+        </p:spPr>
+        <p:style>
+          <a:lnRef idx="1">
+            <a:schemeClr val="accent1"/>
+          </a:lnRef>
+          <a:fillRef idx="0">
+            <a:schemeClr val="accent1"/>
+          </a:fillRef>
+          <a:effectRef idx="0">
+            <a:schemeClr val="accent1"/>
+          </a:effectRef>
+          <a:fontRef idx="minor">
+            <a:schemeClr val="tx1"/>
+          </a:fontRef>
+        </p:style>
+      </p:cxnSp>
+      <p:sp>
+        <p:nvSpPr>
+          <p:cNvPr id="108" name="TextBox 107">
+            <a:extLst>
+              <a:ext uri="{FF2B5EF4-FFF2-40B4-BE49-F238E27FC236}">
+                <a16:creationId xmlns:a16="http://schemas.microsoft.com/office/drawing/2014/main" id="{CE6F2708-7A5B-4C94-8434-EB6ECC7B21F9}"/>
+              </a:ext>
+            </a:extLst>
+          </p:cNvPr>
+          <p:cNvSpPr txBox="1"/>
+          <p:nvPr/>
+        </p:nvSpPr>
+        <p:spPr>
+          <a:xfrm>
+            <a:off x="-1143000" y="7192868"/>
+            <a:ext cx="1838901" cy="184666"/>
+          </a:xfrm>
+          <a:prstGeom prst="rect">
+            <a:avLst/>
+          </a:prstGeom>
+          <a:noFill/>
+        </p:spPr>
+        <p:txBody>
+          <a:bodyPr wrap="square" lIns="0" tIns="0" rIns="0" bIns="0" rtlCol="0">
+            <a:spAutoFit/>
+          </a:bodyPr>
+          <a:lstStyle>
+            <a:defPPr>
+              <a:defRPr lang="en-US"/>
+            </a:defPPr>
+            <a:lvl1pPr algn="r">
+              <a:defRPr sz="1400">
+                <a:solidFill>
+                  <a:srgbClr val="0070C0"/>
+                </a:solidFill>
+              </a:defRPr>
+            </a:lvl1pPr>
+          </a:lstStyle>
+          <a:p>
+            <a:pPr algn="ctr"/>
+            <a:r>
+              <a:rPr lang="en-US" sz="1200" dirty="0"/>
+              <a:t>{</a:t>
+            </a:r>
+            <a:r>
+              <a:rPr lang="en-US" sz="1200" dirty="0" err="1"/>
+              <a:t>commandType</a:t>
+            </a:r>
+            <a:r>
+              <a:rPr lang="en-US" sz="1200" dirty="0"/>
+              <a:t>} == lowest</a:t>
+            </a:r>
+          </a:p>
+        </p:txBody>
+      </p:sp>
+      <p:cxnSp>
+        <p:nvCxnSpPr>
+          <p:cNvPr id="109" name="Straight Arrow Connector 108">
+            <a:extLst>
+              <a:ext uri="{FF2B5EF4-FFF2-40B4-BE49-F238E27FC236}">
+                <a16:creationId xmlns:a16="http://schemas.microsoft.com/office/drawing/2014/main" id="{79C63C6D-2859-4137-B092-25E2A450CB05}"/>
+              </a:ext>
+            </a:extLst>
+          </p:cNvPr>
+          <p:cNvCxnSpPr>
+            <a:cxnSpLocks/>
+          </p:cNvCxnSpPr>
+          <p:nvPr/>
+        </p:nvCxnSpPr>
+        <p:spPr>
+          <a:xfrm>
+            <a:off x="-1626468" y="7442457"/>
+            <a:ext cx="7921871" cy="0"/>
+          </a:xfrm>
+          <a:prstGeom prst="straightConnector1">
+            <a:avLst/>
+          </a:prstGeom>
+          <a:ln w="19050">
+            <a:solidFill>
+              <a:srgbClr val="0070C0"/>
+            </a:solidFill>
+            <a:tailEnd type="arrow"/>
+          </a:ln>
+        </p:spPr>
+        <p:style>
+          <a:lnRef idx="1">
+            <a:schemeClr val="accent1"/>
+          </a:lnRef>
+          <a:fillRef idx="0">
+            <a:schemeClr val="accent1"/>
+          </a:fillRef>
+          <a:effectRef idx="0">
+            <a:schemeClr val="accent1"/>
+          </a:effectRef>
+          <a:fontRef idx="minor">
+            <a:schemeClr val="tx1"/>
+          </a:fontRef>
+        </p:style>
+      </p:cxnSp>
+      <p:sp>
+        <p:nvSpPr>
+          <p:cNvPr id="110" name="TextBox 109">
+            <a:extLst>
+              <a:ext uri="{FF2B5EF4-FFF2-40B4-BE49-F238E27FC236}">
+                <a16:creationId xmlns:a16="http://schemas.microsoft.com/office/drawing/2014/main" id="{583AFEC3-2CC6-4C93-9C7C-2D4A5F3BDA30}"/>
+              </a:ext>
+            </a:extLst>
+          </p:cNvPr>
+          <p:cNvSpPr txBox="1"/>
+          <p:nvPr/>
+        </p:nvSpPr>
+        <p:spPr>
+          <a:xfrm>
+            <a:off x="-1066800" y="7867391"/>
+            <a:ext cx="1709937" cy="184666"/>
+          </a:xfrm>
+          <a:prstGeom prst="rect">
+            <a:avLst/>
+          </a:prstGeom>
+          <a:noFill/>
+        </p:spPr>
+        <p:txBody>
+          <a:bodyPr wrap="square" lIns="0" tIns="0" rIns="0" bIns="0" rtlCol="0">
+            <a:spAutoFit/>
+          </a:bodyPr>
+          <a:lstStyle>
+            <a:defPPr>
+              <a:defRPr lang="en-US"/>
+            </a:defPPr>
+            <a:lvl1pPr algn="r">
+              <a:defRPr sz="1400">
+                <a:solidFill>
+                  <a:srgbClr val="0070C0"/>
+                </a:solidFill>
+              </a:defRPr>
+            </a:lvl1pPr>
+          </a:lstStyle>
+          <a:p>
+            <a:pPr algn="ctr"/>
+            <a:r>
+              <a:rPr lang="en-US" sz="1200" dirty="0"/>
+              <a:t>{</a:t>
+            </a:r>
+            <a:r>
+              <a:rPr lang="en-US" sz="1200" dirty="0" err="1"/>
+              <a:t>commandType</a:t>
+            </a:r>
+            <a:r>
+              <a:rPr lang="en-US" sz="1200" dirty="0"/>
+              <a:t>} == mean</a:t>
+            </a:r>
+          </a:p>
+        </p:txBody>
+      </p:sp>
+      <p:cxnSp>
+        <p:nvCxnSpPr>
+          <p:cNvPr id="111" name="Straight Arrow Connector 110">
+            <a:extLst>
+              <a:ext uri="{FF2B5EF4-FFF2-40B4-BE49-F238E27FC236}">
+                <a16:creationId xmlns:a16="http://schemas.microsoft.com/office/drawing/2014/main" id="{6326C9C0-C799-42FC-B9B5-86527409A430}"/>
+              </a:ext>
+            </a:extLst>
+          </p:cNvPr>
+          <p:cNvCxnSpPr>
+            <a:cxnSpLocks/>
+          </p:cNvCxnSpPr>
+          <p:nvPr/>
+        </p:nvCxnSpPr>
+        <p:spPr>
+          <a:xfrm>
+            <a:off x="-1626468" y="8128257"/>
+            <a:ext cx="9633963" cy="0"/>
+          </a:xfrm>
+          <a:prstGeom prst="straightConnector1">
+            <a:avLst/>
+          </a:prstGeom>
+          <a:ln w="19050">
+            <a:solidFill>
+              <a:srgbClr val="0070C0"/>
+            </a:solidFill>
+            <a:tailEnd type="arrow"/>
+          </a:ln>
+        </p:spPr>
+        <p:style>
+          <a:lnRef idx="1">
+            <a:schemeClr val="accent1"/>
+          </a:lnRef>
+          <a:fillRef idx="0">
+            <a:schemeClr val="accent1"/>
+          </a:fillRef>
+          <a:effectRef idx="0">
+            <a:schemeClr val="accent1"/>
+          </a:effectRef>
+          <a:fontRef idx="minor">
+            <a:schemeClr val="tx1"/>
+          </a:fontRef>
+        </p:style>
+      </p:cxnSp>
+      <p:sp>
+        <p:nvSpPr>
+          <p:cNvPr id="112" name="TextBox 111">
+            <a:extLst>
+              <a:ext uri="{FF2B5EF4-FFF2-40B4-BE49-F238E27FC236}">
+                <a16:creationId xmlns:a16="http://schemas.microsoft.com/office/drawing/2014/main" id="{7EC94E3A-73A6-4905-8756-A5FC34338A37}"/>
+              </a:ext>
+            </a:extLst>
+          </p:cNvPr>
+          <p:cNvSpPr txBox="1"/>
+          <p:nvPr/>
+        </p:nvSpPr>
+        <p:spPr>
+          <a:xfrm>
+            <a:off x="-1052358" y="8640668"/>
+            <a:ext cx="1767249" cy="184666"/>
+          </a:xfrm>
+          <a:prstGeom prst="rect">
+            <a:avLst/>
+          </a:prstGeom>
+          <a:noFill/>
+        </p:spPr>
+        <p:txBody>
+          <a:bodyPr wrap="square" lIns="0" tIns="0" rIns="0" bIns="0" rtlCol="0">
+            <a:spAutoFit/>
+          </a:bodyPr>
+          <a:lstStyle>
+            <a:defPPr>
+              <a:defRPr lang="en-US"/>
+            </a:defPPr>
+            <a:lvl1pPr algn="r">
+              <a:defRPr sz="1400">
+                <a:solidFill>
+                  <a:srgbClr val="0070C0"/>
+                </a:solidFill>
+              </a:defRPr>
+            </a:lvl1pPr>
+          </a:lstStyle>
+          <a:p>
+            <a:pPr algn="ctr"/>
+            <a:r>
+              <a:rPr lang="en-US" sz="1200" dirty="0"/>
+              <a:t>{</a:t>
+            </a:r>
+            <a:r>
+              <a:rPr lang="en-US" sz="1200" dirty="0" err="1"/>
+              <a:t>commandType</a:t>
+            </a:r>
+            <a:r>
+              <a:rPr lang="en-US" sz="1200" dirty="0"/>
+              <a:t>} == median</a:t>
+            </a:r>
+          </a:p>
+        </p:txBody>
+      </p:sp>
+      <p:cxnSp>
+        <p:nvCxnSpPr>
+          <p:cNvPr id="115" name="Straight Arrow Connector 114">
+            <a:extLst>
+              <a:ext uri="{FF2B5EF4-FFF2-40B4-BE49-F238E27FC236}">
+                <a16:creationId xmlns:a16="http://schemas.microsoft.com/office/drawing/2014/main" id="{EC183FA8-CC8C-4538-8BFE-03BE475C8419}"/>
+              </a:ext>
+            </a:extLst>
+          </p:cNvPr>
+          <p:cNvCxnSpPr>
+            <a:cxnSpLocks/>
+          </p:cNvCxnSpPr>
+          <p:nvPr/>
+        </p:nvCxnSpPr>
+        <p:spPr>
+          <a:xfrm flipV="1">
+            <a:off x="-1626468" y="8890257"/>
+            <a:ext cx="11415461" cy="1"/>
+          </a:xfrm>
+          <a:prstGeom prst="straightConnector1">
+            <a:avLst/>
+          </a:prstGeom>
+          <a:ln w="19050">
+            <a:solidFill>
+              <a:srgbClr val="0070C0"/>
+            </a:solidFill>
+            <a:tailEnd type="arrow"/>
+          </a:ln>
+        </p:spPr>
+        <p:style>
+          <a:lnRef idx="1">
+            <a:schemeClr val="accent1"/>
+          </a:lnRef>
+          <a:fillRef idx="0">
+            <a:schemeClr val="accent1"/>
+          </a:fillRef>
+          <a:effectRef idx="0">
+            <a:schemeClr val="accent1"/>
+          </a:effectRef>
+          <a:fontRef idx="minor">
+            <a:schemeClr val="tx1"/>
+          </a:fontRef>
+        </p:style>
+      </p:cxnSp>
+      <p:cxnSp>
+        <p:nvCxnSpPr>
+          <p:cNvPr id="116" name="Straight Arrow Connector 115">
+            <a:extLst>
+              <a:ext uri="{FF2B5EF4-FFF2-40B4-BE49-F238E27FC236}">
+                <a16:creationId xmlns:a16="http://schemas.microsoft.com/office/drawing/2014/main" id="{36F20C6A-0420-4972-8E7C-9D5316FB4759}"/>
+              </a:ext>
+            </a:extLst>
+          </p:cNvPr>
+          <p:cNvCxnSpPr>
+            <a:cxnSpLocks/>
+          </p:cNvCxnSpPr>
+          <p:nvPr/>
+        </p:nvCxnSpPr>
+        <p:spPr>
+          <a:xfrm>
+            <a:off x="-1626468" y="4649088"/>
+            <a:ext cx="2831357" cy="0"/>
+          </a:xfrm>
+          <a:prstGeom prst="straightConnector1">
+            <a:avLst/>
+          </a:prstGeom>
+          <a:ln w="19050">
+            <a:solidFill>
+              <a:srgbClr val="0070C0"/>
+            </a:solidFill>
+            <a:prstDash val="sysDash"/>
+            <a:headEnd type="arrow" w="med" len="med"/>
+            <a:tailEnd type="none" w="med" len="med"/>
+          </a:ln>
+        </p:spPr>
+        <p:style>
+          <a:lnRef idx="1">
+            <a:schemeClr val="accent1"/>
+          </a:lnRef>
+          <a:fillRef idx="0">
+            <a:schemeClr val="accent1"/>
+          </a:fillRef>
+          <a:effectRef idx="0">
+            <a:schemeClr val="accent1"/>
+          </a:effectRef>
+          <a:fontRef idx="minor">
+            <a:schemeClr val="tx1"/>
+          </a:fontRef>
+        </p:style>
+      </p:cxnSp>
+      <p:cxnSp>
+        <p:nvCxnSpPr>
+          <p:cNvPr id="119" name="Straight Arrow Connector 118">
+            <a:extLst>
+              <a:ext uri="{FF2B5EF4-FFF2-40B4-BE49-F238E27FC236}">
+                <a16:creationId xmlns:a16="http://schemas.microsoft.com/office/drawing/2014/main" id="{8683B496-EAD4-4A49-81D9-CA5BA9324E03}"/>
+              </a:ext>
+            </a:extLst>
+          </p:cNvPr>
+          <p:cNvCxnSpPr>
+            <a:cxnSpLocks/>
+          </p:cNvCxnSpPr>
+          <p:nvPr/>
+        </p:nvCxnSpPr>
+        <p:spPr>
+          <a:xfrm>
+            <a:off x="-1626468" y="5791200"/>
+            <a:ext cx="4552324" cy="0"/>
+          </a:xfrm>
+          <a:prstGeom prst="straightConnector1">
+            <a:avLst/>
+          </a:prstGeom>
+          <a:ln w="19050">
+            <a:solidFill>
+              <a:srgbClr val="0070C0"/>
+            </a:solidFill>
+            <a:prstDash val="sysDash"/>
+            <a:headEnd type="arrow" w="med" len="med"/>
+            <a:tailEnd type="none" w="med" len="med"/>
+          </a:ln>
+        </p:spPr>
+        <p:style>
+          <a:lnRef idx="1">
+            <a:schemeClr val="accent1"/>
+          </a:lnRef>
+          <a:fillRef idx="0">
+            <a:schemeClr val="accent1"/>
+          </a:fillRef>
+          <a:effectRef idx="0">
+            <a:schemeClr val="accent1"/>
+          </a:effectRef>
+          <a:fontRef idx="minor">
+            <a:schemeClr val="tx1"/>
+          </a:fontRef>
+        </p:style>
+      </p:cxnSp>
+      <p:cxnSp>
+        <p:nvCxnSpPr>
+          <p:cNvPr id="120" name="Straight Arrow Connector 119">
+            <a:extLst>
+              <a:ext uri="{FF2B5EF4-FFF2-40B4-BE49-F238E27FC236}">
+                <a16:creationId xmlns:a16="http://schemas.microsoft.com/office/drawing/2014/main" id="{EA57312B-32ED-4DF3-942C-855AC2824758}"/>
+              </a:ext>
+            </a:extLst>
+          </p:cNvPr>
+          <p:cNvCxnSpPr>
+            <a:cxnSpLocks/>
+          </p:cNvCxnSpPr>
+          <p:nvPr/>
+        </p:nvCxnSpPr>
+        <p:spPr>
+          <a:xfrm>
+            <a:off x="-1640779" y="6909057"/>
+            <a:ext cx="6348134" cy="0"/>
+          </a:xfrm>
+          <a:prstGeom prst="straightConnector1">
+            <a:avLst/>
+          </a:prstGeom>
+          <a:ln w="19050">
+            <a:solidFill>
+              <a:srgbClr val="0070C0"/>
+            </a:solidFill>
+            <a:prstDash val="sysDash"/>
+            <a:headEnd type="arrow" w="med" len="med"/>
+            <a:tailEnd type="none" w="med" len="med"/>
+          </a:ln>
+        </p:spPr>
+        <p:style>
+          <a:lnRef idx="1">
+            <a:schemeClr val="accent1"/>
+          </a:lnRef>
+          <a:fillRef idx="0">
+            <a:schemeClr val="accent1"/>
+          </a:fillRef>
+          <a:effectRef idx="0">
+            <a:schemeClr val="accent1"/>
+          </a:effectRef>
+          <a:fontRef idx="minor">
+            <a:schemeClr val="tx1"/>
+          </a:fontRef>
+        </p:style>
+      </p:cxnSp>
+      <p:cxnSp>
+        <p:nvCxnSpPr>
+          <p:cNvPr id="121" name="Straight Arrow Connector 120">
+            <a:extLst>
+              <a:ext uri="{FF2B5EF4-FFF2-40B4-BE49-F238E27FC236}">
+                <a16:creationId xmlns:a16="http://schemas.microsoft.com/office/drawing/2014/main" id="{4663527D-E727-4180-830A-D0051068B53F}"/>
+              </a:ext>
+            </a:extLst>
+          </p:cNvPr>
+          <p:cNvCxnSpPr>
+            <a:cxnSpLocks/>
+          </p:cNvCxnSpPr>
+          <p:nvPr/>
+        </p:nvCxnSpPr>
+        <p:spPr>
+          <a:xfrm>
+            <a:off x="-1626468" y="7594857"/>
+            <a:ext cx="7921871" cy="0"/>
+          </a:xfrm>
+          <a:prstGeom prst="straightConnector1">
+            <a:avLst/>
+          </a:prstGeom>
+          <a:ln w="19050">
+            <a:solidFill>
+              <a:srgbClr val="0070C0"/>
+            </a:solidFill>
+            <a:prstDash val="sysDash"/>
+            <a:headEnd type="arrow" w="med" len="med"/>
+            <a:tailEnd type="none" w="med" len="med"/>
+          </a:ln>
+        </p:spPr>
+        <p:style>
+          <a:lnRef idx="1">
+            <a:schemeClr val="accent1"/>
+          </a:lnRef>
+          <a:fillRef idx="0">
+            <a:schemeClr val="accent1"/>
+          </a:fillRef>
+          <a:effectRef idx="0">
+            <a:schemeClr val="accent1"/>
+          </a:effectRef>
+          <a:fontRef idx="minor">
+            <a:schemeClr val="tx1"/>
+          </a:fontRef>
+        </p:style>
+      </p:cxnSp>
+      <p:cxnSp>
+        <p:nvCxnSpPr>
+          <p:cNvPr id="122" name="Straight Arrow Connector 121">
+            <a:extLst>
+              <a:ext uri="{FF2B5EF4-FFF2-40B4-BE49-F238E27FC236}">
+                <a16:creationId xmlns:a16="http://schemas.microsoft.com/office/drawing/2014/main" id="{B4AA8E4B-295B-4189-8EFF-477E819A4830}"/>
+              </a:ext>
+            </a:extLst>
+          </p:cNvPr>
+          <p:cNvCxnSpPr>
+            <a:cxnSpLocks/>
+          </p:cNvCxnSpPr>
+          <p:nvPr/>
+        </p:nvCxnSpPr>
+        <p:spPr>
+          <a:xfrm>
+            <a:off x="-1626468" y="8280657"/>
+            <a:ext cx="9633963" cy="0"/>
+          </a:xfrm>
+          <a:prstGeom prst="straightConnector1">
+            <a:avLst/>
+          </a:prstGeom>
+          <a:ln w="19050">
+            <a:solidFill>
+              <a:srgbClr val="0070C0"/>
+            </a:solidFill>
+            <a:prstDash val="sysDash"/>
+            <a:headEnd type="arrow" w="med" len="med"/>
+            <a:tailEnd type="none" w="med" len="med"/>
+          </a:ln>
+        </p:spPr>
+        <p:style>
+          <a:lnRef idx="1">
+            <a:schemeClr val="accent1"/>
+          </a:lnRef>
+          <a:fillRef idx="0">
+            <a:schemeClr val="accent1"/>
+          </a:fillRef>
+          <a:effectRef idx="0">
+            <a:schemeClr val="accent1"/>
+          </a:effectRef>
+          <a:fontRef idx="minor">
+            <a:schemeClr val="tx1"/>
+          </a:fontRef>
+        </p:style>
+      </p:cxnSp>
+      <p:cxnSp>
+        <p:nvCxnSpPr>
+          <p:cNvPr id="124" name="Straight Arrow Connector 123">
+            <a:extLst>
+              <a:ext uri="{FF2B5EF4-FFF2-40B4-BE49-F238E27FC236}">
+                <a16:creationId xmlns:a16="http://schemas.microsoft.com/office/drawing/2014/main" id="{E8AACB18-3759-4916-A618-89BD3E918AE8}"/>
+              </a:ext>
+            </a:extLst>
+          </p:cNvPr>
+          <p:cNvCxnSpPr>
+            <a:cxnSpLocks/>
+          </p:cNvCxnSpPr>
+          <p:nvPr/>
+        </p:nvCxnSpPr>
+        <p:spPr>
+          <a:xfrm>
+            <a:off x="-1640779" y="9118857"/>
+            <a:ext cx="11429773" cy="0"/>
+          </a:xfrm>
+          <a:prstGeom prst="straightConnector1">
+            <a:avLst/>
+          </a:prstGeom>
+          <a:ln w="19050">
+            <a:solidFill>
+              <a:srgbClr val="0070C0"/>
+            </a:solidFill>
+            <a:prstDash val="sysDash"/>
+            <a:headEnd type="arrow" w="med" len="med"/>
+            <a:tailEnd type="none" w="med" len="med"/>
+          </a:ln>
+        </p:spPr>
+        <p:style>
+          <a:lnRef idx="1">
+            <a:schemeClr val="accent1"/>
+          </a:lnRef>
+          <a:fillRef idx="0">
+            <a:schemeClr val="accent1"/>
+          </a:fillRef>
+          <a:effectRef idx="0">
+            <a:schemeClr val="accent1"/>
+          </a:effectRef>
+          <a:fontRef idx="minor">
+            <a:schemeClr val="tx1"/>
+          </a:fontRef>
+        </p:style>
+      </p:cxnSp>
+      <p:cxnSp>
+        <p:nvCxnSpPr>
+          <p:cNvPr id="127" name="Connector: Curved 126">
+            <a:extLst>
+              <a:ext uri="{FF2B5EF4-FFF2-40B4-BE49-F238E27FC236}">
+                <a16:creationId xmlns:a16="http://schemas.microsoft.com/office/drawing/2014/main" id="{D24295CD-8998-4757-925D-9571C1472EDB}"/>
+              </a:ext>
+            </a:extLst>
+          </p:cNvPr>
+          <p:cNvCxnSpPr>
+            <a:cxnSpLocks/>
+          </p:cNvCxnSpPr>
+          <p:nvPr/>
+        </p:nvCxnSpPr>
+        <p:spPr>
+          <a:xfrm>
+            <a:off x="2938506" y="5629349"/>
+            <a:ext cx="77219" cy="61094"/>
+          </a:xfrm>
+          <a:prstGeom prst="curvedConnector3">
+            <a:avLst>
+              <a:gd name="adj1" fmla="val 835537"/>
+            </a:avLst>
+          </a:prstGeom>
+          <a:ln>
+            <a:solidFill>
+              <a:schemeClr val="tx2">
+                <a:lumMod val="60000"/>
+                <a:lumOff val="40000"/>
+              </a:schemeClr>
+            </a:solidFill>
+            <a:tailEnd type="triangle"/>
+          </a:ln>
+        </p:spPr>
+        <p:style>
+          <a:lnRef idx="1">
+            <a:schemeClr val="accent1"/>
+          </a:lnRef>
+          <a:fillRef idx="0">
+            <a:schemeClr val="accent1"/>
+          </a:fillRef>
+          <a:effectRef idx="0">
+            <a:schemeClr val="accent1"/>
+          </a:effectRef>
+          <a:fontRef idx="minor">
+            <a:schemeClr val="tx1"/>
+          </a:fontRef>
+        </p:style>
+      </p:cxnSp>
+      <p:cxnSp>
+        <p:nvCxnSpPr>
+          <p:cNvPr id="129" name="Connector: Curved 128">
+            <a:extLst>
+              <a:ext uri="{FF2B5EF4-FFF2-40B4-BE49-F238E27FC236}">
+                <a16:creationId xmlns:a16="http://schemas.microsoft.com/office/drawing/2014/main" id="{AAC4F6FF-4DFD-442E-B23D-57D9E25ED195}"/>
+              </a:ext>
+            </a:extLst>
+          </p:cNvPr>
+          <p:cNvCxnSpPr>
+            <a:cxnSpLocks/>
+          </p:cNvCxnSpPr>
+          <p:nvPr/>
+        </p:nvCxnSpPr>
+        <p:spPr>
+          <a:xfrm>
+            <a:off x="4709339" y="6757045"/>
+            <a:ext cx="77219" cy="61094"/>
+          </a:xfrm>
+          <a:prstGeom prst="curvedConnector3">
+            <a:avLst>
+              <a:gd name="adj1" fmla="val 835537"/>
+            </a:avLst>
+          </a:prstGeom>
+          <a:ln>
+            <a:solidFill>
+              <a:schemeClr val="tx2">
+                <a:lumMod val="60000"/>
+                <a:lumOff val="40000"/>
+              </a:schemeClr>
+            </a:solidFill>
+            <a:tailEnd type="triangle"/>
+          </a:ln>
+        </p:spPr>
+        <p:style>
+          <a:lnRef idx="1">
+            <a:schemeClr val="accent1"/>
+          </a:lnRef>
+          <a:fillRef idx="0">
+            <a:schemeClr val="accent1"/>
+          </a:fillRef>
+          <a:effectRef idx="0">
+            <a:schemeClr val="accent1"/>
+          </a:effectRef>
+          <a:fontRef idx="minor">
+            <a:schemeClr val="tx1"/>
+          </a:fontRef>
+        </p:style>
+      </p:cxnSp>
+      <p:cxnSp>
+        <p:nvCxnSpPr>
+          <p:cNvPr id="130" name="Connector: Curved 129">
+            <a:extLst>
+              <a:ext uri="{FF2B5EF4-FFF2-40B4-BE49-F238E27FC236}">
+                <a16:creationId xmlns:a16="http://schemas.microsoft.com/office/drawing/2014/main" id="{995C1557-C9E8-44BF-BF1E-F0C1DD92AFA7}"/>
+              </a:ext>
+            </a:extLst>
+          </p:cNvPr>
+          <p:cNvCxnSpPr>
+            <a:cxnSpLocks/>
+          </p:cNvCxnSpPr>
+          <p:nvPr/>
+        </p:nvCxnSpPr>
+        <p:spPr>
+          <a:xfrm>
+            <a:off x="6318816" y="7443102"/>
+            <a:ext cx="77219" cy="61094"/>
+          </a:xfrm>
+          <a:prstGeom prst="curvedConnector3">
+            <a:avLst>
+              <a:gd name="adj1" fmla="val 835537"/>
+            </a:avLst>
+          </a:prstGeom>
+          <a:ln>
+            <a:solidFill>
+              <a:schemeClr val="tx2">
+                <a:lumMod val="60000"/>
+                <a:lumOff val="40000"/>
+              </a:schemeClr>
+            </a:solidFill>
+            <a:tailEnd type="triangle"/>
+          </a:ln>
+        </p:spPr>
+        <p:style>
+          <a:lnRef idx="1">
+            <a:schemeClr val="accent1"/>
+          </a:lnRef>
+          <a:fillRef idx="0">
+            <a:schemeClr val="accent1"/>
+          </a:fillRef>
+          <a:effectRef idx="0">
+            <a:schemeClr val="accent1"/>
+          </a:effectRef>
+          <a:fontRef idx="minor">
+            <a:schemeClr val="tx1"/>
+          </a:fontRef>
+        </p:style>
+      </p:cxnSp>
+      <p:cxnSp>
+        <p:nvCxnSpPr>
+          <p:cNvPr id="131" name="Connector: Curved 130">
+            <a:extLst>
+              <a:ext uri="{FF2B5EF4-FFF2-40B4-BE49-F238E27FC236}">
+                <a16:creationId xmlns:a16="http://schemas.microsoft.com/office/drawing/2014/main" id="{A0DD33CB-3262-415C-A697-098547DCB586}"/>
+              </a:ext>
+            </a:extLst>
+          </p:cNvPr>
+          <p:cNvCxnSpPr>
+            <a:cxnSpLocks/>
+          </p:cNvCxnSpPr>
+          <p:nvPr/>
+        </p:nvCxnSpPr>
+        <p:spPr>
+          <a:xfrm>
+            <a:off x="8013534" y="8121342"/>
+            <a:ext cx="77219" cy="61094"/>
+          </a:xfrm>
+          <a:prstGeom prst="curvedConnector3">
+            <a:avLst>
+              <a:gd name="adj1" fmla="val 835537"/>
+            </a:avLst>
+          </a:prstGeom>
+          <a:ln>
+            <a:solidFill>
+              <a:schemeClr val="tx2">
+                <a:lumMod val="60000"/>
+                <a:lumOff val="40000"/>
+              </a:schemeClr>
+            </a:solidFill>
+            <a:tailEnd type="triangle"/>
+          </a:ln>
+        </p:spPr>
+        <p:style>
+          <a:lnRef idx="1">
+            <a:schemeClr val="accent1"/>
+          </a:lnRef>
+          <a:fillRef idx="0">
+            <a:schemeClr val="accent1"/>
+          </a:fillRef>
+          <a:effectRef idx="0">
+            <a:schemeClr val="accent1"/>
+          </a:effectRef>
+          <a:fontRef idx="minor">
+            <a:schemeClr val="tx1"/>
+          </a:fontRef>
+        </p:style>
+      </p:cxnSp>
+      <p:cxnSp>
+        <p:nvCxnSpPr>
+          <p:cNvPr id="134" name="Connector: Curved 133">
+            <a:extLst>
+              <a:ext uri="{FF2B5EF4-FFF2-40B4-BE49-F238E27FC236}">
+                <a16:creationId xmlns:a16="http://schemas.microsoft.com/office/drawing/2014/main" id="{9AD91368-32C3-489A-9613-53C816A76EAB}"/>
+              </a:ext>
+            </a:extLst>
+          </p:cNvPr>
+          <p:cNvCxnSpPr>
+            <a:cxnSpLocks/>
+          </p:cNvCxnSpPr>
+          <p:nvPr/>
+        </p:nvCxnSpPr>
+        <p:spPr>
+          <a:xfrm>
+            <a:off x="9794086" y="8890257"/>
+            <a:ext cx="77219" cy="61094"/>
+          </a:xfrm>
+          <a:prstGeom prst="curvedConnector3">
+            <a:avLst>
+              <a:gd name="adj1" fmla="val 835537"/>
+            </a:avLst>
+          </a:prstGeom>
+          <a:ln>
+            <a:solidFill>
+              <a:schemeClr val="tx2">
+                <a:lumMod val="60000"/>
+                <a:lumOff val="40000"/>
+              </a:schemeClr>
+            </a:solidFill>
+            <a:tailEnd type="triangle"/>
+          </a:ln>
+        </p:spPr>
+        <p:style>
+          <a:lnRef idx="1">
+            <a:schemeClr val="accent1"/>
+          </a:lnRef>
+          <a:fillRef idx="0">
+            <a:schemeClr val="accent1"/>
+          </a:fillRef>
+          <a:effectRef idx="0">
+            <a:schemeClr val="accent1"/>
+          </a:effectRef>
+          <a:fontRef idx="minor">
+            <a:schemeClr val="tx1"/>
+          </a:fontRef>
+        </p:style>
+      </p:cxnSp>
+      <p:sp>
+        <p:nvSpPr>
+          <p:cNvPr id="135" name="TextBox 134">
+            <a:extLst>
+              <a:ext uri="{FF2B5EF4-FFF2-40B4-BE49-F238E27FC236}">
+                <a16:creationId xmlns:a16="http://schemas.microsoft.com/office/drawing/2014/main" id="{C9656837-D62D-475B-91FA-F67E507537D5}"/>
+              </a:ext>
+            </a:extLst>
+          </p:cNvPr>
+          <p:cNvSpPr txBox="1"/>
+          <p:nvPr/>
+        </p:nvSpPr>
+        <p:spPr>
+          <a:xfrm>
+            <a:off x="3322064" y="5257800"/>
+            <a:ext cx="1249936" cy="553998"/>
+          </a:xfrm>
+          <a:prstGeom prst="rect">
+            <a:avLst/>
+          </a:prstGeom>
+          <a:noFill/>
+        </p:spPr>
+        <p:txBody>
+          <a:bodyPr wrap="square" lIns="0" tIns="0" rIns="0" bIns="0" rtlCol="0">
+            <a:spAutoFit/>
+          </a:bodyPr>
+          <a:lstStyle>
+            <a:defPPr>
+              <a:defRPr lang="en-US"/>
+            </a:defPPr>
+            <a:lvl1pPr algn="r">
+              <a:defRPr sz="1400">
+                <a:solidFill>
+                  <a:srgbClr val="0070C0"/>
+                </a:solidFill>
+              </a:defRPr>
+            </a:lvl1pPr>
+          </a:lstStyle>
+          <a:p>
+            <a:pPr algn="ctr"/>
+            <a:r>
+              <a:rPr lang="en-US" sz="1200" dirty="0"/>
+              <a:t>Calculate &amp; sort and Return Last 25% List</a:t>
+            </a:r>
+          </a:p>
+        </p:txBody>
+      </p:sp>
+      <p:sp>
+        <p:nvSpPr>
+          <p:cNvPr id="136" name="TextBox 135">
+            <a:extLst>
+              <a:ext uri="{FF2B5EF4-FFF2-40B4-BE49-F238E27FC236}">
+                <a16:creationId xmlns:a16="http://schemas.microsoft.com/office/drawing/2014/main" id="{B18D8706-6B83-4403-9BD7-01683E775293}"/>
+              </a:ext>
+            </a:extLst>
+          </p:cNvPr>
+          <p:cNvSpPr txBox="1"/>
+          <p:nvPr/>
+        </p:nvSpPr>
+        <p:spPr>
+          <a:xfrm>
+            <a:off x="4846756" y="6307623"/>
+            <a:ext cx="1363675" cy="369332"/>
+          </a:xfrm>
+          <a:prstGeom prst="rect">
+            <a:avLst/>
+          </a:prstGeom>
+          <a:noFill/>
+        </p:spPr>
+        <p:txBody>
+          <a:bodyPr wrap="square" lIns="0" tIns="0" rIns="0" bIns="0" rtlCol="0">
+            <a:spAutoFit/>
+          </a:bodyPr>
+          <a:lstStyle>
+            <a:defPPr>
+              <a:defRPr lang="en-US"/>
+            </a:defPPr>
+            <a:lvl1pPr algn="r">
+              <a:defRPr sz="1400">
+                <a:solidFill>
+                  <a:srgbClr val="0070C0"/>
+                </a:solidFill>
+              </a:defRPr>
+            </a:lvl1pPr>
+          </a:lstStyle>
+          <a:p>
+            <a:pPr algn="ctr"/>
+            <a:r>
+              <a:rPr lang="en-US" sz="1200" dirty="0"/>
+              <a:t>sort and Return Highest Value</a:t>
+            </a:r>
+          </a:p>
+        </p:txBody>
+      </p:sp>
+      <p:sp>
+        <p:nvSpPr>
+          <p:cNvPr id="137" name="TextBox 136">
+            <a:extLst>
+              <a:ext uri="{FF2B5EF4-FFF2-40B4-BE49-F238E27FC236}">
+                <a16:creationId xmlns:a16="http://schemas.microsoft.com/office/drawing/2014/main" id="{C90C3FE5-7C76-4345-BBE1-F8B0CFB4452B}"/>
+              </a:ext>
+            </a:extLst>
+          </p:cNvPr>
+          <p:cNvSpPr txBox="1"/>
+          <p:nvPr/>
+        </p:nvSpPr>
+        <p:spPr>
+          <a:xfrm>
+            <a:off x="6497917" y="6975000"/>
+            <a:ext cx="1408943" cy="369332"/>
+          </a:xfrm>
+          <a:prstGeom prst="rect">
+            <a:avLst/>
+          </a:prstGeom>
+          <a:noFill/>
+        </p:spPr>
+        <p:txBody>
+          <a:bodyPr wrap="square" lIns="0" tIns="0" rIns="0" bIns="0" rtlCol="0">
+            <a:spAutoFit/>
+          </a:bodyPr>
+          <a:lstStyle>
+            <a:defPPr>
+              <a:defRPr lang="en-US"/>
+            </a:defPPr>
+            <a:lvl1pPr algn="r">
+              <a:defRPr sz="1400">
+                <a:solidFill>
+                  <a:srgbClr val="0070C0"/>
+                </a:solidFill>
+              </a:defRPr>
+            </a:lvl1pPr>
+          </a:lstStyle>
+          <a:p>
+            <a:pPr algn="ctr"/>
+            <a:r>
+              <a:rPr lang="en-US" sz="1200" dirty="0"/>
+              <a:t>sort and Return Lowest Value</a:t>
+            </a:r>
+          </a:p>
+        </p:txBody>
+      </p:sp>
+      <p:sp>
+        <p:nvSpPr>
+          <p:cNvPr id="138" name="TextBox 137">
+            <a:extLst>
+              <a:ext uri="{FF2B5EF4-FFF2-40B4-BE49-F238E27FC236}">
+                <a16:creationId xmlns:a16="http://schemas.microsoft.com/office/drawing/2014/main" id="{A4596F0F-53B5-4943-B346-3B83F1DF87C8}"/>
+              </a:ext>
+            </a:extLst>
+          </p:cNvPr>
+          <p:cNvSpPr txBox="1"/>
+          <p:nvPr/>
+        </p:nvSpPr>
+        <p:spPr>
+          <a:xfrm>
+            <a:off x="8190451" y="7669886"/>
+            <a:ext cx="1249936" cy="369332"/>
+          </a:xfrm>
+          <a:prstGeom prst="rect">
+            <a:avLst/>
+          </a:prstGeom>
+          <a:noFill/>
+        </p:spPr>
+        <p:txBody>
+          <a:bodyPr wrap="square" lIns="0" tIns="0" rIns="0" bIns="0" rtlCol="0">
+            <a:spAutoFit/>
+          </a:bodyPr>
+          <a:lstStyle>
+            <a:defPPr>
+              <a:defRPr lang="en-US"/>
+            </a:defPPr>
+            <a:lvl1pPr algn="r">
+              <a:defRPr sz="1400">
+                <a:solidFill>
+                  <a:srgbClr val="0070C0"/>
+                </a:solidFill>
+              </a:defRPr>
+            </a:lvl1pPr>
+          </a:lstStyle>
+          <a:p>
+            <a:pPr algn="ctr"/>
+            <a:r>
+              <a:rPr lang="en-US" sz="1200" dirty="0"/>
+              <a:t>Calculate and Return Mean Value</a:t>
+            </a:r>
+          </a:p>
+        </p:txBody>
+      </p:sp>
+      <p:sp>
+        <p:nvSpPr>
+          <p:cNvPr id="139" name="TextBox 138">
+            <a:extLst>
+              <a:ext uri="{FF2B5EF4-FFF2-40B4-BE49-F238E27FC236}">
+                <a16:creationId xmlns:a16="http://schemas.microsoft.com/office/drawing/2014/main" id="{B55110A8-3A73-4431-BAB6-BBEE4E5E89B5}"/>
+              </a:ext>
+            </a:extLst>
+          </p:cNvPr>
+          <p:cNvSpPr txBox="1"/>
+          <p:nvPr/>
+        </p:nvSpPr>
+        <p:spPr>
+          <a:xfrm>
+            <a:off x="9972155" y="8410781"/>
+            <a:ext cx="1249936" cy="553998"/>
+          </a:xfrm>
+          <a:prstGeom prst="rect">
+            <a:avLst/>
+          </a:prstGeom>
+          <a:noFill/>
+        </p:spPr>
+        <p:txBody>
+          <a:bodyPr wrap="square" lIns="0" tIns="0" rIns="0" bIns="0" rtlCol="0">
+            <a:spAutoFit/>
+          </a:bodyPr>
+          <a:lstStyle>
+            <a:defPPr>
+              <a:defRPr lang="en-US"/>
+            </a:defPPr>
+            <a:lvl1pPr algn="r">
+              <a:defRPr sz="1400">
+                <a:solidFill>
+                  <a:srgbClr val="0070C0"/>
+                </a:solidFill>
+              </a:defRPr>
+            </a:lvl1pPr>
+          </a:lstStyle>
+          <a:p>
+            <a:pPr algn="ctr"/>
+            <a:r>
+              <a:rPr lang="en-US" sz="1200" dirty="0"/>
+              <a:t>Calculate and return Median Value</a:t>
+            </a:r>
+          </a:p>
+        </p:txBody>
+      </p:sp>
+      <p:cxnSp>
+        <p:nvCxnSpPr>
+          <p:cNvPr id="140" name="Straight Connector 139">
+            <a:extLst>
+              <a:ext uri="{FF2B5EF4-FFF2-40B4-BE49-F238E27FC236}">
+                <a16:creationId xmlns:a16="http://schemas.microsoft.com/office/drawing/2014/main" id="{599BD526-4146-40E9-A4B7-E2F5D00AC745}"/>
+              </a:ext>
+            </a:extLst>
+          </p:cNvPr>
+          <p:cNvCxnSpPr>
+            <a:cxnSpLocks/>
+          </p:cNvCxnSpPr>
+          <p:nvPr/>
+        </p:nvCxnSpPr>
+        <p:spPr>
+          <a:xfrm flipH="1">
+            <a:off x="-3228928" y="6884197"/>
+            <a:ext cx="28528" cy="2970253"/>
+          </a:xfrm>
+          <a:prstGeom prst="line">
+            <a:avLst/>
+          </a:prstGeom>
+          <a:ln w="19050">
+            <a:solidFill>
+              <a:srgbClr val="0070C0"/>
+            </a:solidFill>
+            <a:prstDash val="sysDash"/>
+          </a:ln>
+          <a:effectLst/>
+        </p:spPr>
+        <p:style>
+          <a:lnRef idx="1">
+            <a:schemeClr val="accent1"/>
+          </a:lnRef>
+          <a:fillRef idx="2">
+            <a:schemeClr val="accent1"/>
+          </a:fillRef>
+          <a:effectRef idx="1">
+            <a:schemeClr val="accent1"/>
+          </a:effectRef>
+          <a:fontRef idx="minor">
+            <a:schemeClr val="dk1"/>
+          </a:fontRef>
+        </p:style>
+      </p:cxnSp>
+      <p:cxnSp>
+        <p:nvCxnSpPr>
+          <p:cNvPr id="149" name="Straight Arrow Connector 148">
+            <a:extLst>
+              <a:ext uri="{FF2B5EF4-FFF2-40B4-BE49-F238E27FC236}">
+                <a16:creationId xmlns:a16="http://schemas.microsoft.com/office/drawing/2014/main" id="{96CE984B-2238-4E4B-B147-5530C31B9A73}"/>
+              </a:ext>
+            </a:extLst>
+          </p:cNvPr>
+          <p:cNvCxnSpPr>
+            <a:cxnSpLocks/>
+          </p:cNvCxnSpPr>
+          <p:nvPr/>
+        </p:nvCxnSpPr>
+        <p:spPr>
+          <a:xfrm>
+            <a:off x="-3162821" y="7867391"/>
+            <a:ext cx="1457188" cy="0"/>
+          </a:xfrm>
+          <a:prstGeom prst="straightConnector1">
+            <a:avLst/>
+          </a:prstGeom>
+          <a:ln w="19050">
+            <a:solidFill>
+              <a:srgbClr val="0070C0"/>
+            </a:solidFill>
+            <a:prstDash val="sysDash"/>
+            <a:headEnd type="arrow" w="med" len="med"/>
+            <a:tailEnd type="none" w="med" len="med"/>
+          </a:ln>
+        </p:spPr>
+        <p:style>
+          <a:lnRef idx="1">
+            <a:schemeClr val="accent1"/>
+          </a:lnRef>
+          <a:fillRef idx="0">
+            <a:schemeClr val="accent1"/>
+          </a:fillRef>
+          <a:effectRef idx="0">
+            <a:schemeClr val="accent1"/>
+          </a:effectRef>
+          <a:fontRef idx="minor">
+            <a:schemeClr val="tx1"/>
+          </a:fontRef>
+        </p:style>
+      </p:cxnSp>
+      <p:cxnSp>
+        <p:nvCxnSpPr>
+          <p:cNvPr id="150" name="Straight Arrow Connector 149">
+            <a:extLst>
+              <a:ext uri="{FF2B5EF4-FFF2-40B4-BE49-F238E27FC236}">
+                <a16:creationId xmlns:a16="http://schemas.microsoft.com/office/drawing/2014/main" id="{4C85CD8E-3DE5-4F81-8783-B820BCDFD2F5}"/>
+              </a:ext>
+            </a:extLst>
+          </p:cNvPr>
+          <p:cNvCxnSpPr>
+            <a:cxnSpLocks/>
+          </p:cNvCxnSpPr>
+          <p:nvPr/>
+        </p:nvCxnSpPr>
+        <p:spPr>
+          <a:xfrm>
+            <a:off x="-3162821" y="8626996"/>
+            <a:ext cx="1457188" cy="0"/>
+          </a:xfrm>
+          <a:prstGeom prst="straightConnector1">
+            <a:avLst/>
+          </a:prstGeom>
+          <a:ln w="19050">
+            <a:solidFill>
+              <a:srgbClr val="0070C0"/>
+            </a:solidFill>
+            <a:prstDash val="sysDash"/>
+            <a:headEnd type="arrow" w="med" len="med"/>
+            <a:tailEnd type="none" w="med" len="med"/>
+          </a:ln>
+        </p:spPr>
+        <p:style>
+          <a:lnRef idx="1">
+            <a:schemeClr val="accent1"/>
+          </a:lnRef>
+          <a:fillRef idx="0">
+            <a:schemeClr val="accent1"/>
+          </a:fillRef>
+          <a:effectRef idx="0">
+            <a:schemeClr val="accent1"/>
+          </a:effectRef>
+          <a:fontRef idx="minor">
+            <a:schemeClr val="tx1"/>
+          </a:fontRef>
+        </p:style>
+      </p:cxnSp>
+      <p:cxnSp>
+        <p:nvCxnSpPr>
+          <p:cNvPr id="151" name="Straight Arrow Connector 150">
+            <a:extLst>
+              <a:ext uri="{FF2B5EF4-FFF2-40B4-BE49-F238E27FC236}">
+                <a16:creationId xmlns:a16="http://schemas.microsoft.com/office/drawing/2014/main" id="{64582E93-146C-47C1-852F-2BF761DF7851}"/>
+              </a:ext>
+            </a:extLst>
+          </p:cNvPr>
+          <p:cNvCxnSpPr>
+            <a:cxnSpLocks/>
+          </p:cNvCxnSpPr>
+          <p:nvPr/>
+        </p:nvCxnSpPr>
+        <p:spPr>
+          <a:xfrm>
+            <a:off x="-3162821" y="9347457"/>
+            <a:ext cx="1457188" cy="0"/>
+          </a:xfrm>
+          <a:prstGeom prst="straightConnector1">
+            <a:avLst/>
+          </a:prstGeom>
+          <a:ln w="19050">
+            <a:solidFill>
+              <a:srgbClr val="0070C0"/>
+            </a:solidFill>
+            <a:prstDash val="sysDash"/>
+            <a:headEnd type="arrow" w="med" len="med"/>
+            <a:tailEnd type="none" w="med" len="med"/>
+          </a:ln>
+        </p:spPr>
+        <p:style>
+          <a:lnRef idx="1">
+            <a:schemeClr val="accent1"/>
+          </a:lnRef>
+          <a:fillRef idx="0">
+            <a:schemeClr val="accent1"/>
+          </a:fillRef>
+          <a:effectRef idx="0">
+            <a:schemeClr val="accent1"/>
+          </a:effectRef>
+          <a:fontRef idx="minor">
+            <a:schemeClr val="tx1"/>
+          </a:fontRef>
+        </p:style>
+      </p:cxnSp>
+      <p:cxnSp>
+        <p:nvCxnSpPr>
+          <p:cNvPr id="171" name="Straight Arrow Connector 170">
+            <a:extLst>
+              <a:ext uri="{FF2B5EF4-FFF2-40B4-BE49-F238E27FC236}">
+                <a16:creationId xmlns:a16="http://schemas.microsoft.com/office/drawing/2014/main" id="{04238E01-5EC6-4037-854D-EA67D9446424}"/>
+              </a:ext>
+            </a:extLst>
+          </p:cNvPr>
+          <p:cNvCxnSpPr>
+            <a:cxnSpLocks/>
+          </p:cNvCxnSpPr>
+          <p:nvPr/>
+        </p:nvCxnSpPr>
+        <p:spPr>
+          <a:xfrm>
+            <a:off x="-1558724" y="5943600"/>
+            <a:ext cx="14131724" cy="0"/>
+          </a:xfrm>
+          <a:prstGeom prst="straightConnector1">
+            <a:avLst/>
+          </a:prstGeom>
+          <a:ln w="19050">
+            <a:solidFill>
+              <a:srgbClr val="0070C0"/>
+            </a:solidFill>
+            <a:tailEnd type="arrow"/>
+          </a:ln>
+        </p:spPr>
+        <p:style>
+          <a:lnRef idx="1">
+            <a:schemeClr val="accent1"/>
+          </a:lnRef>
+          <a:fillRef idx="0">
+            <a:schemeClr val="accent1"/>
+          </a:fillRef>
+          <a:effectRef idx="0">
+            <a:schemeClr val="accent1"/>
+          </a:effectRef>
+          <a:fontRef idx="minor">
+            <a:schemeClr val="tx1"/>
+          </a:fontRef>
+        </p:style>
+      </p:cxnSp>
+      <p:cxnSp>
+        <p:nvCxnSpPr>
+          <p:cNvPr id="172" name="Straight Arrow Connector 171">
+            <a:extLst>
+              <a:ext uri="{FF2B5EF4-FFF2-40B4-BE49-F238E27FC236}">
+                <a16:creationId xmlns:a16="http://schemas.microsoft.com/office/drawing/2014/main" id="{568CEF0F-6C1C-42B4-8400-9385BA62F05E}"/>
+              </a:ext>
+            </a:extLst>
+          </p:cNvPr>
+          <p:cNvCxnSpPr>
+            <a:cxnSpLocks/>
+          </p:cNvCxnSpPr>
+          <p:nvPr/>
+        </p:nvCxnSpPr>
+        <p:spPr>
+          <a:xfrm>
+            <a:off x="-7631058" y="6012284"/>
+            <a:ext cx="20170390" cy="119566"/>
+          </a:xfrm>
+          <a:prstGeom prst="straightConnector1">
+            <a:avLst/>
+          </a:prstGeom>
+          <a:ln w="19050">
+            <a:solidFill>
+              <a:srgbClr val="00B050"/>
+            </a:solidFill>
+            <a:prstDash val="sysDash"/>
+            <a:headEnd type="arrow" w="med" len="med"/>
+            <a:tailEnd type="none" w="med" len="med"/>
+          </a:ln>
+        </p:spPr>
+        <p:style>
+          <a:lnRef idx="1">
+            <a:schemeClr val="accent1"/>
+          </a:lnRef>
+          <a:fillRef idx="0">
+            <a:schemeClr val="accent1"/>
+          </a:fillRef>
+          <a:effectRef idx="0">
+            <a:schemeClr val="accent1"/>
+          </a:effectRef>
+          <a:fontRef idx="minor">
+            <a:schemeClr val="tx1"/>
+          </a:fontRef>
+        </p:style>
+      </p:cxnSp>
+      <p:sp>
+        <p:nvSpPr>
+          <p:cNvPr id="86" name="Rectangle 85"/>
+          <p:cNvSpPr/>
+          <p:nvPr/>
+        </p:nvSpPr>
+        <p:spPr>
+          <a:xfrm>
+            <a:off x="12520409" y="4768298"/>
+            <a:ext cx="133697" cy="1403902"/>
+          </a:xfrm>
+          <a:prstGeom prst="rect">
+            <a:avLst/>
+          </a:prstGeom>
+          <a:solidFill>
+            <a:srgbClr val="92D050"/>
+          </a:solidFill>
+          <a:ln>
+            <a:solidFill>
+              <a:srgbClr val="7030A0"/>
+            </a:solidFill>
+          </a:ln>
+          <a:effectLst/>
+        </p:spPr>
+        <p:style>
+          <a:lnRef idx="1">
+            <a:schemeClr val="accent3"/>
+          </a:lnRef>
+          <a:fillRef idx="2">
+            <a:schemeClr val="accent3"/>
+          </a:fillRef>
+          <a:effectRef idx="1">
+            <a:schemeClr val="accent3"/>
+          </a:effectRef>
+          <a:fontRef idx="minor">
+            <a:schemeClr val="dk1"/>
+          </a:fontRef>
+        </p:style>
+        <p:txBody>
+          <a:bodyPr rtlCol="0" anchor="ctr"/>
+          <a:lstStyle/>
+          <a:p>
+            <a:pPr algn="ctr"/>
+            <a:endParaRPr lang="en-SG" sz="1400"/>
+          </a:p>
+        </p:txBody>
+      </p:sp>
+      <p:sp>
+        <p:nvSpPr>
+          <p:cNvPr id="176" name="TextBox 175">
+            <a:extLst>
+              <a:ext uri="{FF2B5EF4-FFF2-40B4-BE49-F238E27FC236}">
+                <a16:creationId xmlns:a16="http://schemas.microsoft.com/office/drawing/2014/main" id="{71C81AE6-7B90-431F-BEEF-4C7A8F3E336C}"/>
+              </a:ext>
+            </a:extLst>
+          </p:cNvPr>
+          <p:cNvSpPr txBox="1"/>
+          <p:nvPr/>
+        </p:nvSpPr>
+        <p:spPr>
+          <a:xfrm>
+            <a:off x="-5127572" y="4850036"/>
+            <a:ext cx="1861380" cy="184666"/>
+          </a:xfrm>
+          <a:prstGeom prst="rect">
+            <a:avLst/>
+          </a:prstGeom>
+          <a:noFill/>
+          <a:ln>
+            <a:noFill/>
+          </a:ln>
+        </p:spPr>
+        <p:txBody>
+          <a:bodyPr wrap="square" lIns="0" tIns="0" rIns="0" bIns="0" rtlCol="0">
+            <a:spAutoFit/>
+          </a:bodyPr>
+          <a:lstStyle>
+            <a:defPPr>
+              <a:defRPr lang="en-US"/>
+            </a:defPPr>
+            <a:lvl1pPr algn="r">
+              <a:defRPr sz="1400">
+                <a:solidFill>
+                  <a:srgbClr val="0070C0"/>
+                </a:solidFill>
+              </a:defRPr>
+            </a:lvl1pPr>
+          </a:lstStyle>
+          <a:p>
+            <a:r>
+              <a:rPr lang="en-US" sz="1200" dirty="0">
+                <a:solidFill>
+                  <a:srgbClr val="00B050"/>
+                </a:solidFill>
+              </a:rPr>
+              <a:t>Display Summary Window</a:t>
+            </a:r>
+          </a:p>
+        </p:txBody>
+      </p:sp>
+      <p:sp>
+        <p:nvSpPr>
+          <p:cNvPr id="177" name="TextBox 175">
+            <a:extLst>
+              <a:ext uri="{FF2B5EF4-FFF2-40B4-BE49-F238E27FC236}">
+                <a16:creationId xmlns:a16="http://schemas.microsoft.com/office/drawing/2014/main" id="{71C81AE6-7B90-431F-BEEF-4C7A8F3E336C}"/>
+              </a:ext>
+            </a:extLst>
+          </p:cNvPr>
+          <p:cNvSpPr txBox="1"/>
+          <p:nvPr/>
+        </p:nvSpPr>
+        <p:spPr>
+          <a:xfrm>
+            <a:off x="10530626" y="4758881"/>
+            <a:ext cx="1493947" cy="184666"/>
+          </a:xfrm>
+          <a:prstGeom prst="rect">
+            <a:avLst/>
+          </a:prstGeom>
+          <a:noFill/>
+          <a:ln>
+            <a:noFill/>
+          </a:ln>
+        </p:spPr>
+        <p:txBody>
+          <a:bodyPr wrap="square" lIns="0" tIns="0" rIns="0" bIns="0" rtlCol="0">
+            <a:spAutoFit/>
+          </a:bodyPr>
+          <a:lstStyle>
+            <a:defPPr>
+              <a:defRPr lang="en-US"/>
+            </a:defPPr>
+            <a:lvl1pPr marL="0" algn="l" defTabSz="914400" rtl="0" eaLnBrk="1" latinLnBrk="0" hangingPunct="1">
+              <a:defRPr sz="1800" kern="1200">
+                <a:solidFill>
+                  <a:schemeClr val="tx1"/>
+                </a:solidFill>
+                <a:latin typeface="+mn-lt"/>
+                <a:ea typeface="+mn-ea"/>
+                <a:cs typeface="+mn-cs"/>
+              </a:defRPr>
+            </a:lvl1pPr>
+            <a:lvl2pPr marL="457200" algn="l" defTabSz="914400" rtl="0" eaLnBrk="1" latinLnBrk="0" hangingPunct="1">
+              <a:defRPr sz="1800" kern="1200">
+                <a:solidFill>
+                  <a:schemeClr val="tx1"/>
+                </a:solidFill>
+                <a:latin typeface="+mn-lt"/>
+                <a:ea typeface="+mn-ea"/>
+                <a:cs typeface="+mn-cs"/>
+              </a:defRPr>
+            </a:lvl2pPr>
+            <a:lvl3pPr marL="914400" algn="l" defTabSz="914400" rtl="0" eaLnBrk="1" latinLnBrk="0" hangingPunct="1">
+              <a:defRPr sz="1800" kern="1200">
+                <a:solidFill>
+                  <a:schemeClr val="tx1"/>
+                </a:solidFill>
+                <a:latin typeface="+mn-lt"/>
+                <a:ea typeface="+mn-ea"/>
+                <a:cs typeface="+mn-cs"/>
+              </a:defRPr>
+            </a:lvl3pPr>
+            <a:lvl4pPr marL="1371600" algn="l" defTabSz="914400" rtl="0" eaLnBrk="1" latinLnBrk="0" hangingPunct="1">
+              <a:defRPr sz="1800" kern="1200">
+                <a:solidFill>
+                  <a:schemeClr val="tx1"/>
+                </a:solidFill>
+                <a:latin typeface="+mn-lt"/>
+                <a:ea typeface="+mn-ea"/>
+                <a:cs typeface="+mn-cs"/>
+              </a:defRPr>
+            </a:lvl4pPr>
+            <a:lvl5pPr marL="1828800" algn="l" defTabSz="914400" rtl="0" eaLnBrk="1" latinLnBrk="0" hangingPunct="1">
+              <a:defRPr sz="1800" kern="1200">
+                <a:solidFill>
+                  <a:schemeClr val="tx1"/>
+                </a:solidFill>
+                <a:latin typeface="+mn-lt"/>
+                <a:ea typeface="+mn-ea"/>
+                <a:cs typeface="+mn-cs"/>
+              </a:defRPr>
+            </a:lvl5pPr>
+            <a:lvl6pPr marL="2286000" algn="l" defTabSz="914400" rtl="0" eaLnBrk="1" latinLnBrk="0" hangingPunct="1">
+              <a:defRPr sz="1800" kern="1200">
+                <a:solidFill>
+                  <a:schemeClr val="tx1"/>
+                </a:solidFill>
+                <a:latin typeface="+mn-lt"/>
+                <a:ea typeface="+mn-ea"/>
+                <a:cs typeface="+mn-cs"/>
+              </a:defRPr>
+            </a:lvl6pPr>
+            <a:lvl7pPr marL="2743200" algn="l" defTabSz="914400" rtl="0" eaLnBrk="1" latinLnBrk="0" hangingPunct="1">
+              <a:defRPr sz="1800" kern="1200">
+                <a:solidFill>
+                  <a:schemeClr val="tx1"/>
+                </a:solidFill>
+                <a:latin typeface="+mn-lt"/>
+                <a:ea typeface="+mn-ea"/>
+                <a:cs typeface="+mn-cs"/>
+              </a:defRPr>
+            </a:lvl7pPr>
+            <a:lvl8pPr marL="3200400" algn="l" defTabSz="914400" rtl="0" eaLnBrk="1" latinLnBrk="0" hangingPunct="1">
+              <a:defRPr sz="1800" kern="1200">
+                <a:solidFill>
+                  <a:schemeClr val="tx1"/>
+                </a:solidFill>
+                <a:latin typeface="+mn-lt"/>
+                <a:ea typeface="+mn-ea"/>
+                <a:cs typeface="+mn-cs"/>
+              </a:defRPr>
+            </a:lvl8pPr>
+            <a:lvl9pPr marL="3657600" algn="l" defTabSz="914400" rtl="0" eaLnBrk="1" latinLnBrk="0" hangingPunct="1">
+              <a:defRPr sz="1800" kern="1200">
+                <a:solidFill>
+                  <a:schemeClr val="tx1"/>
+                </a:solidFill>
+                <a:latin typeface="+mn-lt"/>
+                <a:ea typeface="+mn-ea"/>
+                <a:cs typeface="+mn-cs"/>
+              </a:defRPr>
+            </a:lvl9pPr>
+          </a:lstStyle>
+          <a:p>
+            <a:r>
+              <a:rPr lang="en-US" sz="1200" dirty="0">
+                <a:solidFill>
+                  <a:schemeClr val="tx2">
+                    <a:lumMod val="60000"/>
+                    <a:lumOff val="40000"/>
+                  </a:schemeClr>
+                </a:solidFill>
+              </a:rPr>
+              <a:t>Display Summary</a:t>
+            </a:r>
+          </a:p>
+        </p:txBody>
+      </p:sp>
+      <p:sp>
+        <p:nvSpPr>
+          <p:cNvPr id="178" name="TextBox 175">
+            <a:extLst>
+              <a:ext uri="{FF2B5EF4-FFF2-40B4-BE49-F238E27FC236}">
+                <a16:creationId xmlns:a16="http://schemas.microsoft.com/office/drawing/2014/main" id="{71C81AE6-7B90-431F-BEEF-4C7A8F3E336C}"/>
+              </a:ext>
+            </a:extLst>
+          </p:cNvPr>
+          <p:cNvSpPr txBox="1"/>
+          <p:nvPr/>
+        </p:nvSpPr>
+        <p:spPr>
+          <a:xfrm>
+            <a:off x="10530626" y="5700943"/>
+            <a:ext cx="1493947" cy="184666"/>
+          </a:xfrm>
+          <a:prstGeom prst="rect">
+            <a:avLst/>
+          </a:prstGeom>
+          <a:noFill/>
+          <a:ln>
+            <a:noFill/>
+          </a:ln>
+        </p:spPr>
+        <p:txBody>
+          <a:bodyPr wrap="square" lIns="0" tIns="0" rIns="0" bIns="0" rtlCol="0">
+            <a:spAutoFit/>
+          </a:bodyPr>
+          <a:lstStyle>
+            <a:defPPr>
+              <a:defRPr lang="en-US"/>
+            </a:defPPr>
+            <a:lvl1pPr marL="0" algn="l" defTabSz="914400" rtl="0" eaLnBrk="1" latinLnBrk="0" hangingPunct="1">
+              <a:defRPr sz="1800" kern="1200">
+                <a:solidFill>
+                  <a:schemeClr val="tx1"/>
+                </a:solidFill>
+                <a:latin typeface="+mn-lt"/>
+                <a:ea typeface="+mn-ea"/>
+                <a:cs typeface="+mn-cs"/>
+              </a:defRPr>
+            </a:lvl1pPr>
+            <a:lvl2pPr marL="457200" algn="l" defTabSz="914400" rtl="0" eaLnBrk="1" latinLnBrk="0" hangingPunct="1">
+              <a:defRPr sz="1800" kern="1200">
+                <a:solidFill>
+                  <a:schemeClr val="tx1"/>
+                </a:solidFill>
+                <a:latin typeface="+mn-lt"/>
+                <a:ea typeface="+mn-ea"/>
+                <a:cs typeface="+mn-cs"/>
+              </a:defRPr>
+            </a:lvl2pPr>
+            <a:lvl3pPr marL="914400" algn="l" defTabSz="914400" rtl="0" eaLnBrk="1" latinLnBrk="0" hangingPunct="1">
+              <a:defRPr sz="1800" kern="1200">
+                <a:solidFill>
+                  <a:schemeClr val="tx1"/>
+                </a:solidFill>
+                <a:latin typeface="+mn-lt"/>
+                <a:ea typeface="+mn-ea"/>
+                <a:cs typeface="+mn-cs"/>
+              </a:defRPr>
+            </a:lvl3pPr>
+            <a:lvl4pPr marL="1371600" algn="l" defTabSz="914400" rtl="0" eaLnBrk="1" latinLnBrk="0" hangingPunct="1">
+              <a:defRPr sz="1800" kern="1200">
+                <a:solidFill>
+                  <a:schemeClr val="tx1"/>
+                </a:solidFill>
+                <a:latin typeface="+mn-lt"/>
+                <a:ea typeface="+mn-ea"/>
+                <a:cs typeface="+mn-cs"/>
+              </a:defRPr>
+            </a:lvl4pPr>
+            <a:lvl5pPr marL="1828800" algn="l" defTabSz="914400" rtl="0" eaLnBrk="1" latinLnBrk="0" hangingPunct="1">
+              <a:defRPr sz="1800" kern="1200">
+                <a:solidFill>
+                  <a:schemeClr val="tx1"/>
+                </a:solidFill>
+                <a:latin typeface="+mn-lt"/>
+                <a:ea typeface="+mn-ea"/>
+                <a:cs typeface="+mn-cs"/>
+              </a:defRPr>
+            </a:lvl5pPr>
+            <a:lvl6pPr marL="2286000" algn="l" defTabSz="914400" rtl="0" eaLnBrk="1" latinLnBrk="0" hangingPunct="1">
+              <a:defRPr sz="1800" kern="1200">
+                <a:solidFill>
+                  <a:schemeClr val="tx1"/>
+                </a:solidFill>
+                <a:latin typeface="+mn-lt"/>
+                <a:ea typeface="+mn-ea"/>
+                <a:cs typeface="+mn-cs"/>
+              </a:defRPr>
+            </a:lvl6pPr>
+            <a:lvl7pPr marL="2743200" algn="l" defTabSz="914400" rtl="0" eaLnBrk="1" latinLnBrk="0" hangingPunct="1">
+              <a:defRPr sz="1800" kern="1200">
+                <a:solidFill>
+                  <a:schemeClr val="tx1"/>
+                </a:solidFill>
+                <a:latin typeface="+mn-lt"/>
+                <a:ea typeface="+mn-ea"/>
+                <a:cs typeface="+mn-cs"/>
+              </a:defRPr>
+            </a:lvl7pPr>
+            <a:lvl8pPr marL="3200400" algn="l" defTabSz="914400" rtl="0" eaLnBrk="1" latinLnBrk="0" hangingPunct="1">
+              <a:defRPr sz="1800" kern="1200">
+                <a:solidFill>
+                  <a:schemeClr val="tx1"/>
+                </a:solidFill>
+                <a:latin typeface="+mn-lt"/>
+                <a:ea typeface="+mn-ea"/>
+                <a:cs typeface="+mn-cs"/>
+              </a:defRPr>
+            </a:lvl8pPr>
+            <a:lvl9pPr marL="3657600" algn="l" defTabSz="914400" rtl="0" eaLnBrk="1" latinLnBrk="0" hangingPunct="1">
+              <a:defRPr sz="1800" kern="1200">
+                <a:solidFill>
+                  <a:schemeClr val="tx1"/>
+                </a:solidFill>
+                <a:latin typeface="+mn-lt"/>
+                <a:ea typeface="+mn-ea"/>
+                <a:cs typeface="+mn-cs"/>
+              </a:defRPr>
+            </a:lvl9pPr>
+          </a:lstStyle>
+          <a:p>
+            <a:r>
+              <a:rPr lang="en-US" sz="1200" dirty="0">
+                <a:solidFill>
+                  <a:schemeClr val="tx2">
+                    <a:lumMod val="60000"/>
+                    <a:lumOff val="40000"/>
+                  </a:schemeClr>
+                </a:solidFill>
+              </a:rPr>
+              <a:t>Display Summary</a:t>
+            </a:r>
+          </a:p>
+        </p:txBody>
+      </p:sp>
+      <p:sp>
+        <p:nvSpPr>
+          <p:cNvPr id="179" name="Rectangle 178">
+            <a:extLst>
+              <a:ext uri="{FF2B5EF4-FFF2-40B4-BE49-F238E27FC236}">
+                <a16:creationId xmlns:a16="http://schemas.microsoft.com/office/drawing/2014/main" id="{C02BBAE0-FD4E-4BE3-BB15-D3A0A9B612FC}"/>
+              </a:ext>
+            </a:extLst>
+          </p:cNvPr>
+          <p:cNvSpPr/>
+          <p:nvPr/>
+        </p:nvSpPr>
+        <p:spPr>
+          <a:xfrm>
+            <a:off x="1135689" y="4416846"/>
+            <a:ext cx="111219" cy="335224"/>
+          </a:xfrm>
+          <a:prstGeom prst="rect">
+            <a:avLst/>
+          </a:prstGeom>
+          <a:solidFill>
+            <a:srgbClr val="0070C0"/>
+          </a:solidFill>
+          <a:ln>
+            <a:solidFill>
+              <a:srgbClr val="0070C0"/>
+            </a:solidFill>
+          </a:ln>
+          <a:effectLst/>
+        </p:spPr>
+        <p:style>
+          <a:lnRef idx="1">
+            <a:schemeClr val="accent3"/>
+          </a:lnRef>
+          <a:fillRef idx="2">
+            <a:schemeClr val="accent3"/>
+          </a:fillRef>
+          <a:effectRef idx="1">
+            <a:schemeClr val="accent3"/>
+          </a:effectRef>
+          <a:fontRef idx="minor">
+            <a:schemeClr val="dk1"/>
+          </a:fontRef>
+        </p:style>
+        <p:txBody>
+          <a:bodyPr rtlCol="0" anchor="ctr"/>
+          <a:lstStyle/>
+          <a:p>
+            <a:pPr algn="ctr"/>
+            <a:endParaRPr lang="en-SG" sz="1400"/>
+          </a:p>
+        </p:txBody>
+      </p:sp>
+      <p:sp>
+        <p:nvSpPr>
+          <p:cNvPr id="180" name="Rectangle 179">
+            <a:extLst>
+              <a:ext uri="{FF2B5EF4-FFF2-40B4-BE49-F238E27FC236}">
+                <a16:creationId xmlns:a16="http://schemas.microsoft.com/office/drawing/2014/main" id="{82D03ADC-6322-4AD5-8110-30CFC039DDD1}"/>
+              </a:ext>
+            </a:extLst>
+          </p:cNvPr>
+          <p:cNvSpPr/>
+          <p:nvPr/>
+        </p:nvSpPr>
+        <p:spPr>
+          <a:xfrm>
+            <a:off x="2889449" y="5537529"/>
+            <a:ext cx="111219" cy="335224"/>
+          </a:xfrm>
+          <a:prstGeom prst="rect">
+            <a:avLst/>
+          </a:prstGeom>
+          <a:solidFill>
+            <a:srgbClr val="0070C0"/>
+          </a:solidFill>
+          <a:ln>
+            <a:solidFill>
+              <a:srgbClr val="0070C0"/>
+            </a:solidFill>
+          </a:ln>
+          <a:effectLst/>
+        </p:spPr>
+        <p:style>
+          <a:lnRef idx="1">
+            <a:schemeClr val="accent3"/>
+          </a:lnRef>
+          <a:fillRef idx="2">
+            <a:schemeClr val="accent3"/>
+          </a:fillRef>
+          <a:effectRef idx="1">
+            <a:schemeClr val="accent3"/>
+          </a:effectRef>
+          <a:fontRef idx="minor">
+            <a:schemeClr val="dk1"/>
+          </a:fontRef>
+        </p:style>
+        <p:txBody>
+          <a:bodyPr rtlCol="0" anchor="ctr"/>
+          <a:lstStyle/>
+          <a:p>
+            <a:pPr algn="ctr"/>
+            <a:endParaRPr lang="en-SG" sz="1400"/>
+          </a:p>
+        </p:txBody>
+      </p:sp>
+      <p:sp>
+        <p:nvSpPr>
+          <p:cNvPr id="181" name="Rectangle 180">
+            <a:extLst>
+              <a:ext uri="{FF2B5EF4-FFF2-40B4-BE49-F238E27FC236}">
+                <a16:creationId xmlns:a16="http://schemas.microsoft.com/office/drawing/2014/main" id="{7299E846-97D6-4621-B9CB-92DE2A51A8BA}"/>
+              </a:ext>
+            </a:extLst>
+          </p:cNvPr>
+          <p:cNvSpPr/>
+          <p:nvPr/>
+        </p:nvSpPr>
+        <p:spPr>
+          <a:xfrm>
+            <a:off x="4671536" y="6654014"/>
+            <a:ext cx="111219" cy="335224"/>
+          </a:xfrm>
+          <a:prstGeom prst="rect">
+            <a:avLst/>
+          </a:prstGeom>
+          <a:solidFill>
+            <a:srgbClr val="0070C0"/>
+          </a:solidFill>
+          <a:ln>
+            <a:solidFill>
+              <a:srgbClr val="0070C0"/>
+            </a:solidFill>
+          </a:ln>
+          <a:effectLst/>
+        </p:spPr>
+        <p:style>
+          <a:lnRef idx="1">
+            <a:schemeClr val="accent3"/>
+          </a:lnRef>
+          <a:fillRef idx="2">
+            <a:schemeClr val="accent3"/>
+          </a:fillRef>
+          <a:effectRef idx="1">
+            <a:schemeClr val="accent3"/>
+          </a:effectRef>
+          <a:fontRef idx="minor">
+            <a:schemeClr val="dk1"/>
+          </a:fontRef>
+        </p:style>
+        <p:txBody>
+          <a:bodyPr rtlCol="0" anchor="ctr"/>
+          <a:lstStyle/>
+          <a:p>
+            <a:pPr algn="ctr"/>
+            <a:endParaRPr lang="en-SG" sz="1400"/>
+          </a:p>
+        </p:txBody>
+      </p:sp>
+      <p:sp>
+        <p:nvSpPr>
+          <p:cNvPr id="182" name="Rectangle 181">
+            <a:extLst>
+              <a:ext uri="{FF2B5EF4-FFF2-40B4-BE49-F238E27FC236}">
+                <a16:creationId xmlns:a16="http://schemas.microsoft.com/office/drawing/2014/main" id="{A4CFBE9E-21D8-4FB9-8B25-0727E6BE45A7}"/>
+              </a:ext>
+            </a:extLst>
+          </p:cNvPr>
+          <p:cNvSpPr/>
+          <p:nvPr/>
+        </p:nvSpPr>
+        <p:spPr>
+          <a:xfrm>
+            <a:off x="6264914" y="7343441"/>
+            <a:ext cx="111219" cy="335224"/>
+          </a:xfrm>
+          <a:prstGeom prst="rect">
+            <a:avLst/>
+          </a:prstGeom>
+          <a:solidFill>
+            <a:srgbClr val="0070C0"/>
+          </a:solidFill>
+          <a:ln>
+            <a:solidFill>
+              <a:srgbClr val="0070C0"/>
+            </a:solidFill>
+          </a:ln>
+          <a:effectLst/>
+        </p:spPr>
+        <p:style>
+          <a:lnRef idx="1">
+            <a:schemeClr val="accent3"/>
+          </a:lnRef>
+          <a:fillRef idx="2">
+            <a:schemeClr val="accent3"/>
+          </a:fillRef>
+          <a:effectRef idx="1">
+            <a:schemeClr val="accent3"/>
+          </a:effectRef>
+          <a:fontRef idx="minor">
+            <a:schemeClr val="dk1"/>
+          </a:fontRef>
+        </p:style>
+        <p:txBody>
+          <a:bodyPr rtlCol="0" anchor="ctr"/>
+          <a:lstStyle/>
+          <a:p>
+            <a:pPr algn="ctr"/>
+            <a:endParaRPr lang="en-SG" sz="1400"/>
+          </a:p>
+        </p:txBody>
+      </p:sp>
+      <p:sp>
+        <p:nvSpPr>
+          <p:cNvPr id="183" name="Rectangle 182">
+            <a:extLst>
+              <a:ext uri="{FF2B5EF4-FFF2-40B4-BE49-F238E27FC236}">
+                <a16:creationId xmlns:a16="http://schemas.microsoft.com/office/drawing/2014/main" id="{1E70611B-4C1A-4456-96B8-F67C567E784E}"/>
+              </a:ext>
+            </a:extLst>
+          </p:cNvPr>
+          <p:cNvSpPr/>
+          <p:nvPr/>
+        </p:nvSpPr>
+        <p:spPr>
+          <a:xfrm>
+            <a:off x="7971276" y="8036845"/>
+            <a:ext cx="111219" cy="335224"/>
+          </a:xfrm>
+          <a:prstGeom prst="rect">
+            <a:avLst/>
+          </a:prstGeom>
+          <a:solidFill>
+            <a:srgbClr val="0070C0"/>
+          </a:solidFill>
+          <a:ln>
+            <a:solidFill>
+              <a:srgbClr val="0070C0"/>
+            </a:solidFill>
+          </a:ln>
+          <a:effectLst/>
+        </p:spPr>
+        <p:style>
+          <a:lnRef idx="1">
+            <a:schemeClr val="accent3"/>
+          </a:lnRef>
+          <a:fillRef idx="2">
+            <a:schemeClr val="accent3"/>
+          </a:fillRef>
+          <a:effectRef idx="1">
+            <a:schemeClr val="accent3"/>
+          </a:effectRef>
+          <a:fontRef idx="minor">
+            <a:schemeClr val="dk1"/>
+          </a:fontRef>
+        </p:style>
+        <p:txBody>
+          <a:bodyPr rtlCol="0" anchor="ctr"/>
+          <a:lstStyle/>
+          <a:p>
+            <a:pPr algn="ctr"/>
+            <a:endParaRPr lang="en-SG" sz="1400"/>
+          </a:p>
+        </p:txBody>
+      </p:sp>
+      <p:sp>
+        <p:nvSpPr>
+          <p:cNvPr id="184" name="Rectangle 183">
+            <a:extLst>
+              <a:ext uri="{FF2B5EF4-FFF2-40B4-BE49-F238E27FC236}">
+                <a16:creationId xmlns:a16="http://schemas.microsoft.com/office/drawing/2014/main" id="{EC2B9CCF-9D6B-4B6A-BDCD-CFBBCC6E5EC7}"/>
+              </a:ext>
+            </a:extLst>
+          </p:cNvPr>
+          <p:cNvSpPr/>
+          <p:nvPr/>
+        </p:nvSpPr>
+        <p:spPr>
+          <a:xfrm>
+            <a:off x="9769204" y="8829342"/>
+            <a:ext cx="111219" cy="335224"/>
+          </a:xfrm>
+          <a:prstGeom prst="rect">
+            <a:avLst/>
+          </a:prstGeom>
+          <a:solidFill>
+            <a:srgbClr val="0070C0"/>
+          </a:solidFill>
+          <a:ln>
+            <a:solidFill>
+              <a:srgbClr val="0070C0"/>
+            </a:solidFill>
+          </a:ln>
+          <a:effectLst/>
+        </p:spPr>
+        <p:style>
+          <a:lnRef idx="1">
+            <a:schemeClr val="accent3"/>
+          </a:lnRef>
+          <a:fillRef idx="2">
+            <a:schemeClr val="accent3"/>
+          </a:fillRef>
+          <a:effectRef idx="1">
+            <a:schemeClr val="accent3"/>
+          </a:effectRef>
+          <a:fontRef idx="minor">
+            <a:schemeClr val="dk1"/>
+          </a:fontRef>
+        </p:style>
+        <p:txBody>
+          <a:bodyPr rtlCol="0" anchor="ctr"/>
+          <a:lstStyle/>
+          <a:p>
+            <a:pPr algn="ctr"/>
+            <a:endParaRPr lang="en-SG" sz="1400"/>
+          </a:p>
+        </p:txBody>
+      </p:sp>
+      <p:sp>
+        <p:nvSpPr>
+          <p:cNvPr id="185" name="TextBox 184">
+            <a:extLst>
+              <a:ext uri="{FF2B5EF4-FFF2-40B4-BE49-F238E27FC236}">
+                <a16:creationId xmlns:a16="http://schemas.microsoft.com/office/drawing/2014/main" id="{7EE0C338-4239-417B-AA07-129BEBE31611}"/>
+              </a:ext>
+            </a:extLst>
+          </p:cNvPr>
+          <p:cNvSpPr txBox="1"/>
+          <p:nvPr/>
+        </p:nvSpPr>
+        <p:spPr>
+          <a:xfrm>
+            <a:off x="-3303832" y="6955453"/>
+            <a:ext cx="1838901" cy="184666"/>
+          </a:xfrm>
+          <a:prstGeom prst="rect">
+            <a:avLst/>
+          </a:prstGeom>
+          <a:noFill/>
+        </p:spPr>
+        <p:txBody>
+          <a:bodyPr wrap="square" lIns="0" tIns="0" rIns="0" bIns="0" rtlCol="0">
+            <a:spAutoFit/>
+          </a:bodyPr>
+          <a:lstStyle>
+            <a:defPPr>
+              <a:defRPr lang="en-US"/>
+            </a:defPPr>
+            <a:lvl1pPr algn="r">
+              <a:defRPr sz="1400">
+                <a:solidFill>
+                  <a:srgbClr val="0070C0"/>
+                </a:solidFill>
+              </a:defRPr>
+            </a:lvl1pPr>
+          </a:lstStyle>
+          <a:p>
+            <a:pPr algn="ctr"/>
+            <a:r>
+              <a:rPr lang="en-US" sz="1200" dirty="0"/>
+              <a:t>Return Highest</a:t>
+            </a:r>
+          </a:p>
+        </p:txBody>
+      </p:sp>
+      <p:sp>
+        <p:nvSpPr>
+          <p:cNvPr id="186" name="TextBox 185">
+            <a:extLst>
+              <a:ext uri="{FF2B5EF4-FFF2-40B4-BE49-F238E27FC236}">
+                <a16:creationId xmlns:a16="http://schemas.microsoft.com/office/drawing/2014/main" id="{7AC073EA-9C97-4798-906A-36A7FC2A1240}"/>
+              </a:ext>
+            </a:extLst>
+          </p:cNvPr>
+          <p:cNvSpPr txBox="1"/>
+          <p:nvPr/>
+        </p:nvSpPr>
+        <p:spPr>
+          <a:xfrm>
+            <a:off x="-3353047" y="7621265"/>
+            <a:ext cx="1838901" cy="184666"/>
+          </a:xfrm>
+          <a:prstGeom prst="rect">
+            <a:avLst/>
+          </a:prstGeom>
+          <a:noFill/>
+        </p:spPr>
+        <p:txBody>
+          <a:bodyPr wrap="square" lIns="0" tIns="0" rIns="0" bIns="0" rtlCol="0">
+            <a:spAutoFit/>
+          </a:bodyPr>
+          <a:lstStyle>
+            <a:defPPr>
+              <a:defRPr lang="en-US"/>
+            </a:defPPr>
+            <a:lvl1pPr algn="r">
+              <a:defRPr sz="1400">
+                <a:solidFill>
+                  <a:srgbClr val="0070C0"/>
+                </a:solidFill>
+              </a:defRPr>
+            </a:lvl1pPr>
+          </a:lstStyle>
+          <a:p>
+            <a:pPr algn="ctr"/>
+            <a:r>
+              <a:rPr lang="en-US" sz="1200" dirty="0"/>
+              <a:t>Return Lowest</a:t>
+            </a:r>
+          </a:p>
+        </p:txBody>
+      </p:sp>
+      <p:sp>
+        <p:nvSpPr>
+          <p:cNvPr id="187" name="TextBox 186">
+            <a:extLst>
+              <a:ext uri="{FF2B5EF4-FFF2-40B4-BE49-F238E27FC236}">
+                <a16:creationId xmlns:a16="http://schemas.microsoft.com/office/drawing/2014/main" id="{64B5B9EC-67AB-408C-987D-2627DDDA886A}"/>
+              </a:ext>
+            </a:extLst>
+          </p:cNvPr>
+          <p:cNvSpPr txBox="1"/>
+          <p:nvPr/>
+        </p:nvSpPr>
+        <p:spPr>
+          <a:xfrm>
+            <a:off x="-3353678" y="8403721"/>
+            <a:ext cx="1838901" cy="184666"/>
+          </a:xfrm>
+          <a:prstGeom prst="rect">
+            <a:avLst/>
+          </a:prstGeom>
+          <a:noFill/>
+        </p:spPr>
+        <p:txBody>
+          <a:bodyPr wrap="square" lIns="0" tIns="0" rIns="0" bIns="0" rtlCol="0">
+            <a:spAutoFit/>
+          </a:bodyPr>
+          <a:lstStyle>
+            <a:defPPr>
+              <a:defRPr lang="en-US"/>
+            </a:defPPr>
+            <a:lvl1pPr algn="r">
+              <a:defRPr sz="1400">
+                <a:solidFill>
+                  <a:srgbClr val="0070C0"/>
+                </a:solidFill>
+              </a:defRPr>
+            </a:lvl1pPr>
+          </a:lstStyle>
+          <a:p>
+            <a:pPr algn="ctr"/>
+            <a:r>
+              <a:rPr lang="en-US" sz="1200" dirty="0"/>
+              <a:t>Return Mean</a:t>
+            </a:r>
+          </a:p>
+        </p:txBody>
+      </p:sp>
+      <p:sp>
+        <p:nvSpPr>
+          <p:cNvPr id="188" name="TextBox 187">
+            <a:extLst>
+              <a:ext uri="{FF2B5EF4-FFF2-40B4-BE49-F238E27FC236}">
+                <a16:creationId xmlns:a16="http://schemas.microsoft.com/office/drawing/2014/main" id="{67B5D1D1-9B69-4D4D-8F86-5E1A05927B4B}"/>
+              </a:ext>
+            </a:extLst>
+          </p:cNvPr>
+          <p:cNvSpPr txBox="1"/>
+          <p:nvPr/>
+        </p:nvSpPr>
+        <p:spPr>
+          <a:xfrm>
+            <a:off x="-3323592" y="9079404"/>
+            <a:ext cx="1838901" cy="184666"/>
+          </a:xfrm>
+          <a:prstGeom prst="rect">
+            <a:avLst/>
+          </a:prstGeom>
+          <a:noFill/>
+        </p:spPr>
+        <p:txBody>
+          <a:bodyPr wrap="square" lIns="0" tIns="0" rIns="0" bIns="0" rtlCol="0">
+            <a:spAutoFit/>
+          </a:bodyPr>
+          <a:lstStyle>
+            <a:defPPr>
+              <a:defRPr lang="en-US"/>
+            </a:defPPr>
+            <a:lvl1pPr algn="r">
+              <a:defRPr sz="1400">
+                <a:solidFill>
+                  <a:srgbClr val="0070C0"/>
+                </a:solidFill>
+              </a:defRPr>
+            </a:lvl1pPr>
+          </a:lstStyle>
+          <a:p>
+            <a:pPr algn="ctr"/>
+            <a:r>
+              <a:rPr lang="en-US" sz="1200" dirty="0"/>
+              <a:t>Return Median</a:t>
+            </a:r>
           </a:p>
         </p:txBody>
       </p:sp>
